--- a/COMP2x0-portfolio-workshop-08.pptx
+++ b/COMP2x0-portfolio-workshop-08.pptx
@@ -585,7 +585,7 @@
           <a:p>
             <a:fld id="{EA0C0817-A112-4847-8014-A94B7D2A4EA3}" type="datetime1">
               <a:rPr lang="en-US" smtClean="0"/>
-              <a:t>3/1/2020</a:t>
+              <a:t>3/16/2020</a:t>
             </a:fld>
             <a:endParaRPr lang="en-US" dirty="0"/>
           </a:p>
@@ -787,7 +787,7 @@
           <a:p>
             <a:fld id="{134F40B7-36AB-4376-BE14-EF7004D79BB9}" type="datetime1">
               <a:rPr lang="en-US" smtClean="0"/>
-              <a:t>3/1/2020</a:t>
+              <a:t>3/16/2020</a:t>
             </a:fld>
             <a:endParaRPr lang="en-US"/>
           </a:p>
@@ -967,7 +967,7 @@
           <a:p>
             <a:fld id="{FF87CAB8-DCAE-46A5-AADA-B3FAD11A54E0}" type="datetime1">
               <a:rPr lang="en-US" smtClean="0"/>
-              <a:t>3/1/2020</a:t>
+              <a:t>3/16/2020</a:t>
             </a:fld>
             <a:endParaRPr lang="en-US"/>
           </a:p>
@@ -1137,7 +1137,7 @@
           <a:p>
             <a:fld id="{7332B432-ACDA-4023-A761-2BAB76577B62}" type="datetime1">
               <a:rPr lang="en-US" smtClean="0"/>
-              <a:t>3/1/2020</a:t>
+              <a:t>3/16/2020</a:t>
             </a:fld>
             <a:endParaRPr lang="en-US"/>
           </a:p>
@@ -1736,7 +1736,7 @@
           <a:p>
             <a:fld id="{D9C646AA-F36E-4540-911D-FFFC0A0EF24A}" type="datetime1">
               <a:rPr lang="en-US" smtClean="0"/>
-              <a:t>3/1/2020</a:t>
+              <a:t>3/16/2020</a:t>
             </a:fld>
             <a:endParaRPr lang="en-US" dirty="0"/>
           </a:p>
@@ -2056,7 +2056,7 @@
           <a:p>
             <a:fld id="{69186D26-FA5F-4637-B602-B7C2DC34CFD4}" type="datetime1">
               <a:rPr lang="en-US" smtClean="0"/>
-              <a:t>3/1/2020</a:t>
+              <a:t>3/16/2020</a:t>
             </a:fld>
             <a:endParaRPr lang="en-US"/>
           </a:p>
@@ -2493,7 +2493,7 @@
           <a:p>
             <a:fld id="{8A7F15D8-96D1-4781-BC50-CA8A088B2FE4}" type="datetime1">
               <a:rPr lang="en-US" smtClean="0"/>
-              <a:t>3/1/2020</a:t>
+              <a:t>3/16/2020</a:t>
             </a:fld>
             <a:endParaRPr lang="en-US"/>
           </a:p>
@@ -2611,7 +2611,7 @@
           <a:p>
             <a:fld id="{F9A96C99-B8F8-4528-BD05-0E16E943DC09}" type="datetime1">
               <a:rPr lang="en-US" smtClean="0"/>
-              <a:t>3/1/2020</a:t>
+              <a:t>3/16/2020</a:t>
             </a:fld>
             <a:endParaRPr lang="en-US"/>
           </a:p>
@@ -2706,7 +2706,7 @@
           <a:p>
             <a:fld id="{03636942-C211-4B28-8DBD-C953E00AF71B}" type="datetime1">
               <a:rPr lang="en-US" smtClean="0"/>
-              <a:t>3/1/2020</a:t>
+              <a:t>3/16/2020</a:t>
             </a:fld>
             <a:endParaRPr lang="en-US"/>
           </a:p>
@@ -3123,7 +3123,7 @@
           <a:p>
             <a:fld id="{7E8D12A6-918A-48BD-8CB9-CA713993B0EA}" type="datetime1">
               <a:rPr lang="en-US" smtClean="0"/>
-              <a:t>3/1/2020</a:t>
+              <a:t>3/16/2020</a:t>
             </a:fld>
             <a:endParaRPr lang="en-US"/>
           </a:p>
@@ -3385,7 +3385,7 @@
             <a:fld id="{E778CE86-875F-4587-BCF6-FA054AFC0D53}" type="datetime1">
               <a:rPr lang="en-US" smtClean="0"/>
               <a:pPr/>
-              <a:t>3/1/2020</a:t>
+              <a:t>3/16/2020</a:t>
             </a:fld>
             <a:endParaRPr lang="en-US" dirty="0"/>
           </a:p>
@@ -3901,7 +3901,7 @@
           <a:p>
             <a:fld id="{F6FA2B21-3FCD-4721-B95C-427943F61125}" type="datetime1">
               <a:rPr lang="en-US" smtClean="0"/>
-              <a:t>3/1/2020</a:t>
+              <a:t>3/16/2020</a:t>
             </a:fld>
             <a:endParaRPr lang="en-US"/>
           </a:p>
@@ -5942,33 +5942,15 @@
                                   </p:childTnLst>
                                 </p:cTn>
                               </p:par>
-                            </p:childTnLst>
-                          </p:cTn>
-                        </p:par>
-                      </p:childTnLst>
-                    </p:cTn>
-                  </p:par>
-                  <p:par>
-                    <p:cTn id="13" fill="hold">
-                      <p:stCondLst>
-                        <p:cond delay="indefinite"/>
-                      </p:stCondLst>
-                      <p:childTnLst>
-                        <p:par>
-                          <p:cTn id="14" fill="hold">
-                            <p:stCondLst>
-                              <p:cond delay="0"/>
-                            </p:stCondLst>
-                            <p:childTnLst>
                               <p:par>
-                                <p:cTn id="15" presetID="1" presetClass="entr" presetSubtype="0" fill="hold" nodeType="clickEffect">
+                                <p:cTn id="13" presetID="1" presetClass="entr" presetSubtype="0" fill="hold" nodeType="withEffect">
                                   <p:stCondLst>
                                     <p:cond delay="0"/>
                                   </p:stCondLst>
                                   <p:childTnLst>
                                     <p:set>
                                       <p:cBhvr>
-                                        <p:cTn id="16" dur="1" fill="hold">
+                                        <p:cTn id="14" dur="1" fill="hold">
                                           <p:stCondLst>
                                             <p:cond delay="0"/>
                                           </p:stCondLst>
@@ -5998,26 +5980,26 @@
                     </p:cTn>
                   </p:par>
                   <p:par>
-                    <p:cTn id="17" fill="hold">
+                    <p:cTn id="15" fill="hold">
                       <p:stCondLst>
                         <p:cond delay="indefinite"/>
                       </p:stCondLst>
                       <p:childTnLst>
                         <p:par>
-                          <p:cTn id="18" fill="hold">
+                          <p:cTn id="16" fill="hold">
                             <p:stCondLst>
                               <p:cond delay="0"/>
                             </p:stCondLst>
                             <p:childTnLst>
                               <p:par>
-                                <p:cTn id="19" presetID="1" presetClass="entr" presetSubtype="0" fill="hold" nodeType="clickEffect">
+                                <p:cTn id="17" presetID="1" presetClass="entr" presetSubtype="0" fill="hold" nodeType="clickEffect">
                                   <p:stCondLst>
                                     <p:cond delay="0"/>
                                   </p:stCondLst>
                                   <p:childTnLst>
                                     <p:set>
                                       <p:cBhvr>
-                                        <p:cTn id="20" dur="1" fill="hold">
+                                        <p:cTn id="18" dur="1" fill="hold">
                                           <p:stCondLst>
                                             <p:cond delay="0"/>
                                           </p:stCondLst>
@@ -6047,26 +6029,26 @@
                     </p:cTn>
                   </p:par>
                   <p:par>
-                    <p:cTn id="21" fill="hold">
+                    <p:cTn id="19" fill="hold">
                       <p:stCondLst>
                         <p:cond delay="indefinite"/>
                       </p:stCondLst>
                       <p:childTnLst>
                         <p:par>
-                          <p:cTn id="22" fill="hold">
+                          <p:cTn id="20" fill="hold">
                             <p:stCondLst>
                               <p:cond delay="0"/>
                             </p:stCondLst>
                             <p:childTnLst>
                               <p:par>
-                                <p:cTn id="23" presetID="1" presetClass="entr" presetSubtype="0" fill="hold" nodeType="clickEffect">
+                                <p:cTn id="21" presetID="1" presetClass="entr" presetSubtype="0" fill="hold" nodeType="clickEffect">
                                   <p:stCondLst>
                                     <p:cond delay="0"/>
                                   </p:stCondLst>
                                   <p:childTnLst>
                                     <p:set>
                                       <p:cBhvr>
-                                        <p:cTn id="24" dur="1" fill="hold">
+                                        <p:cTn id="22" dur="1" fill="hold">
                                           <p:stCondLst>
                                             <p:cond delay="0"/>
                                           </p:stCondLst>
@@ -6096,26 +6078,26 @@
                     </p:cTn>
                   </p:par>
                   <p:par>
-                    <p:cTn id="25" fill="hold">
+                    <p:cTn id="23" fill="hold">
                       <p:stCondLst>
                         <p:cond delay="indefinite"/>
                       </p:stCondLst>
                       <p:childTnLst>
                         <p:par>
-                          <p:cTn id="26" fill="hold">
+                          <p:cTn id="24" fill="hold">
                             <p:stCondLst>
                               <p:cond delay="0"/>
                             </p:stCondLst>
                             <p:childTnLst>
                               <p:par>
-                                <p:cTn id="27" presetID="1" presetClass="entr" presetSubtype="0" fill="hold" nodeType="clickEffect">
+                                <p:cTn id="25" presetID="1" presetClass="entr" presetSubtype="0" fill="hold" nodeType="clickEffect">
                                   <p:stCondLst>
                                     <p:cond delay="0"/>
                                   </p:stCondLst>
                                   <p:childTnLst>
                                     <p:set>
                                       <p:cBhvr>
-                                        <p:cTn id="28" dur="1" fill="hold">
+                                        <p:cTn id="26" dur="1" fill="hold">
                                           <p:stCondLst>
                                             <p:cond delay="0"/>
                                           </p:stCondLst>
@@ -6385,55 +6367,6 @@
                                         <p:tgtEl>
                                           <p:spTgt spid="3">
                                             <p:txEl>
-                                              <p:pRg st="0" end="0"/>
-                                            </p:txEl>
-                                          </p:spTgt>
-                                        </p:tgtEl>
-                                        <p:attrNameLst>
-                                          <p:attrName>style.visibility</p:attrName>
-                                        </p:attrNameLst>
-                                      </p:cBhvr>
-                                      <p:to>
-                                        <p:strVal val="visible"/>
-                                      </p:to>
-                                    </p:set>
-                                  </p:childTnLst>
-                                </p:cTn>
-                              </p:par>
-                            </p:childTnLst>
-                          </p:cTn>
-                        </p:par>
-                      </p:childTnLst>
-                    </p:cTn>
-                  </p:par>
-                  <p:par>
-                    <p:cTn id="7" fill="hold">
-                      <p:stCondLst>
-                        <p:cond delay="indefinite"/>
-                      </p:stCondLst>
-                      <p:childTnLst>
-                        <p:par>
-                          <p:cTn id="8" fill="hold">
-                            <p:stCondLst>
-                              <p:cond delay="0"/>
-                            </p:stCondLst>
-                            <p:childTnLst>
-                              <p:par>
-                                <p:cTn id="9" presetID="1" presetClass="entr" presetSubtype="0" fill="hold" grpId="0" nodeType="clickEffect">
-                                  <p:stCondLst>
-                                    <p:cond delay="0"/>
-                                  </p:stCondLst>
-                                  <p:childTnLst>
-                                    <p:set>
-                                      <p:cBhvr>
-                                        <p:cTn id="10" dur="1" fill="hold">
-                                          <p:stCondLst>
-                                            <p:cond delay="0"/>
-                                          </p:stCondLst>
-                                        </p:cTn>
-                                        <p:tgtEl>
-                                          <p:spTgt spid="3">
-                                            <p:txEl>
                                               <p:pRg st="1" end="1"/>
                                             </p:txEl>
                                           </p:spTgt>
@@ -6449,33 +6382,15 @@
                                   </p:childTnLst>
                                 </p:cTn>
                               </p:par>
-                            </p:childTnLst>
-                          </p:cTn>
-                        </p:par>
-                      </p:childTnLst>
-                    </p:cTn>
-                  </p:par>
-                  <p:par>
-                    <p:cTn id="11" fill="hold">
-                      <p:stCondLst>
-                        <p:cond delay="indefinite"/>
-                      </p:stCondLst>
-                      <p:childTnLst>
-                        <p:par>
-                          <p:cTn id="12" fill="hold">
-                            <p:stCondLst>
-                              <p:cond delay="0"/>
-                            </p:stCondLst>
-                            <p:childTnLst>
                               <p:par>
-                                <p:cTn id="13" presetID="1" presetClass="entr" presetSubtype="0" fill="hold" grpId="0" nodeType="clickEffect">
+                                <p:cTn id="7" presetID="1" presetClass="entr" presetSubtype="0" fill="hold" grpId="0" nodeType="withEffect">
                                   <p:stCondLst>
                                     <p:cond delay="0"/>
                                   </p:stCondLst>
                                   <p:childTnLst>
                                     <p:set>
                                       <p:cBhvr>
-                                        <p:cTn id="14" dur="1" fill="hold">
+                                        <p:cTn id="8" dur="1" fill="hold">
                                           <p:stCondLst>
                                             <p:cond delay="0"/>
                                           </p:stCondLst>
@@ -6498,33 +6413,15 @@
                                   </p:childTnLst>
                                 </p:cTn>
                               </p:par>
-                            </p:childTnLst>
-                          </p:cTn>
-                        </p:par>
-                      </p:childTnLst>
-                    </p:cTn>
-                  </p:par>
-                  <p:par>
-                    <p:cTn id="15" fill="hold">
-                      <p:stCondLst>
-                        <p:cond delay="indefinite"/>
-                      </p:stCondLst>
-                      <p:childTnLst>
-                        <p:par>
-                          <p:cTn id="16" fill="hold">
-                            <p:stCondLst>
-                              <p:cond delay="0"/>
-                            </p:stCondLst>
-                            <p:childTnLst>
                               <p:par>
-                                <p:cTn id="17" presetID="1" presetClass="entr" presetSubtype="0" fill="hold" grpId="0" nodeType="clickEffect">
+                                <p:cTn id="9" presetID="1" presetClass="entr" presetSubtype="0" fill="hold" grpId="0" nodeType="withEffect">
                                   <p:stCondLst>
                                     <p:cond delay="0"/>
                                   </p:stCondLst>
                                   <p:childTnLst>
                                     <p:set>
                                       <p:cBhvr>
-                                        <p:cTn id="18" dur="1" fill="hold">
+                                        <p:cTn id="10" dur="1" fill="hold">
                                           <p:stCondLst>
                                             <p:cond delay="0"/>
                                           </p:stCondLst>
@@ -6547,33 +6444,15 @@
                                   </p:childTnLst>
                                 </p:cTn>
                               </p:par>
-                            </p:childTnLst>
-                          </p:cTn>
-                        </p:par>
-                      </p:childTnLst>
-                    </p:cTn>
-                  </p:par>
-                  <p:par>
-                    <p:cTn id="19" fill="hold">
-                      <p:stCondLst>
-                        <p:cond delay="indefinite"/>
-                      </p:stCondLst>
-                      <p:childTnLst>
-                        <p:par>
-                          <p:cTn id="20" fill="hold">
-                            <p:stCondLst>
-                              <p:cond delay="0"/>
-                            </p:stCondLst>
-                            <p:childTnLst>
                               <p:par>
-                                <p:cTn id="21" presetID="1" presetClass="entr" presetSubtype="0" fill="hold" grpId="0" nodeType="clickEffect">
+                                <p:cTn id="11" presetID="1" presetClass="entr" presetSubtype="0" fill="hold" grpId="0" nodeType="withEffect">
                                   <p:stCondLst>
                                     <p:cond delay="0"/>
                                   </p:stCondLst>
                                   <p:childTnLst>
                                     <p:set>
                                       <p:cBhvr>
-                                        <p:cTn id="22" dur="1" fill="hold">
+                                        <p:cTn id="12" dur="1" fill="hold">
                                           <p:stCondLst>
                                             <p:cond delay="0"/>
                                           </p:stCondLst>
@@ -6596,33 +6475,15 @@
                                   </p:childTnLst>
                                 </p:cTn>
                               </p:par>
-                            </p:childTnLst>
-                          </p:cTn>
-                        </p:par>
-                      </p:childTnLst>
-                    </p:cTn>
-                  </p:par>
-                  <p:par>
-                    <p:cTn id="23" fill="hold">
-                      <p:stCondLst>
-                        <p:cond delay="indefinite"/>
-                      </p:stCondLst>
-                      <p:childTnLst>
-                        <p:par>
-                          <p:cTn id="24" fill="hold">
-                            <p:stCondLst>
-                              <p:cond delay="0"/>
-                            </p:stCondLst>
-                            <p:childTnLst>
                               <p:par>
-                                <p:cTn id="25" presetID="1" presetClass="entr" presetSubtype="0" fill="hold" grpId="0" nodeType="clickEffect">
+                                <p:cTn id="13" presetID="1" presetClass="entr" presetSubtype="0" fill="hold" grpId="0" nodeType="withEffect">
                                   <p:stCondLst>
                                     <p:cond delay="0"/>
                                   </p:stCondLst>
                                   <p:childTnLst>
                                     <p:set>
                                       <p:cBhvr>
-                                        <p:cTn id="26" dur="1" fill="hold">
+                                        <p:cTn id="14" dur="1" fill="hold">
                                           <p:stCondLst>
                                             <p:cond delay="0"/>
                                           </p:stCondLst>
@@ -6673,7 +6534,7 @@
       </p:par>
     </p:tnLst>
     <p:bldLst>
-      <p:bldP spid="3" grpId="0" build="p"/>
+      <p:bldP spid="3" grpId="0" uiExpand="1" build="p"/>
     </p:bldLst>
   </p:timing>
 </p:sld>

--- a/COMP2x0-portfolio-workshop-08.pptx
+++ b/COMP2x0-portfolio-workshop-08.pptx
@@ -585,7 +585,7 @@
           <a:p>
             <a:fld id="{EA0C0817-A112-4847-8014-A94B7D2A4EA3}" type="datetime1">
               <a:rPr lang="en-US" smtClean="0"/>
-              <a:t>3/16/2020</a:t>
+              <a:t>1/21/2021</a:t>
             </a:fld>
             <a:endParaRPr lang="en-US" dirty="0"/>
           </a:p>
@@ -787,7 +787,7 @@
           <a:p>
             <a:fld id="{134F40B7-36AB-4376-BE14-EF7004D79BB9}" type="datetime1">
               <a:rPr lang="en-US" smtClean="0"/>
-              <a:t>3/16/2020</a:t>
+              <a:t>1/21/2021</a:t>
             </a:fld>
             <a:endParaRPr lang="en-US"/>
           </a:p>
@@ -967,7 +967,7 @@
           <a:p>
             <a:fld id="{FF87CAB8-DCAE-46A5-AADA-B3FAD11A54E0}" type="datetime1">
               <a:rPr lang="en-US" smtClean="0"/>
-              <a:t>3/16/2020</a:t>
+              <a:t>1/21/2021</a:t>
             </a:fld>
             <a:endParaRPr lang="en-US"/>
           </a:p>
@@ -1137,7 +1137,7 @@
           <a:p>
             <a:fld id="{7332B432-ACDA-4023-A761-2BAB76577B62}" type="datetime1">
               <a:rPr lang="en-US" smtClean="0"/>
-              <a:t>3/16/2020</a:t>
+              <a:t>1/21/2021</a:t>
             </a:fld>
             <a:endParaRPr lang="en-US"/>
           </a:p>
@@ -1736,7 +1736,7 @@
           <a:p>
             <a:fld id="{D9C646AA-F36E-4540-911D-FFFC0A0EF24A}" type="datetime1">
               <a:rPr lang="en-US" smtClean="0"/>
-              <a:t>3/16/2020</a:t>
+              <a:t>1/21/2021</a:t>
             </a:fld>
             <a:endParaRPr lang="en-US" dirty="0"/>
           </a:p>
@@ -2056,7 +2056,7 @@
           <a:p>
             <a:fld id="{69186D26-FA5F-4637-B602-B7C2DC34CFD4}" type="datetime1">
               <a:rPr lang="en-US" smtClean="0"/>
-              <a:t>3/16/2020</a:t>
+              <a:t>1/21/2021</a:t>
             </a:fld>
             <a:endParaRPr lang="en-US"/>
           </a:p>
@@ -2493,7 +2493,7 @@
           <a:p>
             <a:fld id="{8A7F15D8-96D1-4781-BC50-CA8A088B2FE4}" type="datetime1">
               <a:rPr lang="en-US" smtClean="0"/>
-              <a:t>3/16/2020</a:t>
+              <a:t>1/21/2021</a:t>
             </a:fld>
             <a:endParaRPr lang="en-US"/>
           </a:p>
@@ -2611,7 +2611,7 @@
           <a:p>
             <a:fld id="{F9A96C99-B8F8-4528-BD05-0E16E943DC09}" type="datetime1">
               <a:rPr lang="en-US" smtClean="0"/>
-              <a:t>3/16/2020</a:t>
+              <a:t>1/21/2021</a:t>
             </a:fld>
             <a:endParaRPr lang="en-US"/>
           </a:p>
@@ -2706,7 +2706,7 @@
           <a:p>
             <a:fld id="{03636942-C211-4B28-8DBD-C953E00AF71B}" type="datetime1">
               <a:rPr lang="en-US" smtClean="0"/>
-              <a:t>3/16/2020</a:t>
+              <a:t>1/21/2021</a:t>
             </a:fld>
             <a:endParaRPr lang="en-US"/>
           </a:p>
@@ -3123,7 +3123,7 @@
           <a:p>
             <a:fld id="{7E8D12A6-918A-48BD-8CB9-CA713993B0EA}" type="datetime1">
               <a:rPr lang="en-US" smtClean="0"/>
-              <a:t>3/16/2020</a:t>
+              <a:t>1/21/2021</a:t>
             </a:fld>
             <a:endParaRPr lang="en-US"/>
           </a:p>
@@ -3385,7 +3385,7 @@
             <a:fld id="{E778CE86-875F-4587-BCF6-FA054AFC0D53}" type="datetime1">
               <a:rPr lang="en-US" smtClean="0"/>
               <a:pPr/>
-              <a:t>3/16/2020</a:t>
+              <a:t>1/21/2021</a:t>
             </a:fld>
             <a:endParaRPr lang="en-US" dirty="0"/>
           </a:p>
@@ -3901,7 +3901,7 @@
           <a:p>
             <a:fld id="{F6FA2B21-3FCD-4721-B95C-427943F61125}" type="datetime1">
               <a:rPr lang="en-US" smtClean="0"/>
-              <a:t>3/16/2020</a:t>
+              <a:t>1/21/2021</a:t>
             </a:fld>
             <a:endParaRPr lang="en-US"/>
           </a:p>
@@ -4502,91 +4502,6 @@
           </a:effectLst>
         </p:spPr>
       </p:sp>
-      <p:sp>
-        <p:nvSpPr>
-          <p:cNvPr id="2" name="Title 1">
-            <a:extLst>
-              <a:ext uri="{FF2B5EF4-FFF2-40B4-BE49-F238E27FC236}">
-                <a16:creationId xmlns:a16="http://schemas.microsoft.com/office/drawing/2014/main" id="{18C3B467-088C-4F3D-A9A7-105C4E1E20CD}"/>
-              </a:ext>
-            </a:extLst>
-          </p:cNvPr>
-          <p:cNvSpPr>
-            <a:spLocks noGrp="1"/>
-          </p:cNvSpPr>
-          <p:nvPr>
-            <p:ph type="ctrTitle"/>
-          </p:nvPr>
-        </p:nvSpPr>
-        <p:spPr>
-          <a:xfrm>
-            <a:off x="6033792" y="2613546"/>
-            <a:ext cx="4775075" cy="1630907"/>
-          </a:xfrm>
-        </p:spPr>
-        <p:txBody>
-          <a:bodyPr>
-            <a:normAutofit fontScale="90000"/>
-          </a:bodyPr>
-          <a:lstStyle/>
-          <a:p>
-            <a:r>
-              <a:rPr lang="en-US" sz="4400" dirty="0">
-                <a:solidFill>
-                  <a:schemeClr val="tx1"/>
-                </a:solidFill>
-              </a:rPr>
-              <a:t>COMP2</a:t>
-            </a:r>
-            <a:r>
-              <a:rPr lang="en-US" sz="4400" i="1" dirty="0">
-                <a:solidFill>
-                  <a:schemeClr val="tx1"/>
-                </a:solidFill>
-              </a:rPr>
-              <a:t>x</a:t>
-            </a:r>
-            <a:r>
-              <a:rPr lang="en-US" sz="4400" dirty="0">
-                <a:solidFill>
-                  <a:schemeClr val="tx1"/>
-                </a:solidFill>
-              </a:rPr>
-              <a:t>0:</a:t>
-            </a:r>
-            <a:br>
-              <a:rPr lang="en-US" sz="4400" dirty="0">
-                <a:solidFill>
-                  <a:schemeClr val="tx1"/>
-                </a:solidFill>
-              </a:rPr>
-            </a:br>
-            <a:r>
-              <a:rPr lang="en-US" sz="4400" dirty="0">
-                <a:solidFill>
-                  <a:schemeClr val="tx1"/>
-                </a:solidFill>
-              </a:rPr>
-              <a:t>Worksheet support</a:t>
-            </a:r>
-            <a:br>
-              <a:rPr lang="en-US" sz="4400" dirty="0">
-                <a:solidFill>
-                  <a:schemeClr val="tx1"/>
-                </a:solidFill>
-              </a:rPr>
-            </a:br>
-            <a:r>
-              <a:rPr lang="en-US" sz="3100" i="1" dirty="0">
-                <a:solidFill>
-                  <a:schemeClr val="tx1"/>
-                </a:solidFill>
-              </a:rPr>
-              <a:t>Week 8</a:t>
-            </a:r>
-          </a:p>
-        </p:txBody>
-      </p:sp>
       <p:pic>
         <p:nvPicPr>
           <p:cNvPr id="7" name="Picture 6">
@@ -4623,6 +4538,124 @@
           </a:prstGeom>
         </p:spPr>
       </p:pic>
+      <p:sp>
+        <p:nvSpPr>
+          <p:cNvPr id="9" name="Title 1">
+            <a:extLst>
+              <a:ext uri="{FF2B5EF4-FFF2-40B4-BE49-F238E27FC236}">
+                <a16:creationId xmlns:a16="http://schemas.microsoft.com/office/drawing/2014/main" id="{0C2953F2-F1A8-432F-A243-7AE36E8B3CDD}"/>
+              </a:ext>
+            </a:extLst>
+          </p:cNvPr>
+          <p:cNvSpPr>
+            <a:spLocks noGrp="1"/>
+          </p:cNvSpPr>
+          <p:nvPr>
+            <p:ph type="ctrTitle"/>
+          </p:nvPr>
+        </p:nvSpPr>
+        <p:spPr>
+          <a:xfrm>
+            <a:off x="6033793" y="2057400"/>
+            <a:ext cx="4775075" cy="2686050"/>
+          </a:xfrm>
+        </p:spPr>
+        <p:txBody>
+          <a:bodyPr>
+            <a:normAutofit fontScale="90000"/>
+          </a:bodyPr>
+          <a:lstStyle/>
+          <a:p>
+            <a:r>
+              <a:rPr lang="en-US" sz="4000" cap="none" dirty="0">
+                <a:solidFill>
+                  <a:schemeClr val="accent5"/>
+                </a:solidFill>
+              </a:rPr>
+              <a:t>COMP2</a:t>
+            </a:r>
+            <a:r>
+              <a:rPr lang="en-US" sz="4000" i="1" cap="none" dirty="0">
+                <a:solidFill>
+                  <a:schemeClr val="accent5"/>
+                </a:solidFill>
+              </a:rPr>
+              <a:t>x</a:t>
+            </a:r>
+            <a:r>
+              <a:rPr lang="en-US" sz="4000" cap="none" dirty="0">
+                <a:solidFill>
+                  <a:schemeClr val="accent5"/>
+                </a:solidFill>
+              </a:rPr>
+              <a:t>0/VR220</a:t>
+            </a:r>
+            <a:br>
+              <a:rPr lang="en-US" sz="4400" cap="none" dirty="0">
+                <a:solidFill>
+                  <a:schemeClr val="tx1"/>
+                </a:solidFill>
+              </a:rPr>
+            </a:br>
+            <a:r>
+              <a:rPr lang="en-US" sz="3600" cap="none" dirty="0">
+                <a:solidFill>
+                  <a:schemeClr val="tx1"/>
+                </a:solidFill>
+              </a:rPr>
+              <a:t>Portfolio Development/</a:t>
+            </a:r>
+            <a:br>
+              <a:rPr lang="en-US" sz="3600" cap="none" dirty="0">
+                <a:solidFill>
+                  <a:schemeClr val="tx1"/>
+                </a:solidFill>
+              </a:rPr>
+            </a:br>
+            <a:r>
+              <a:rPr lang="en-US" sz="3600" cap="none" dirty="0">
+                <a:solidFill>
+                  <a:schemeClr val="tx1"/>
+                </a:solidFill>
+              </a:rPr>
+              <a:t>Worksheet Support</a:t>
+            </a:r>
+            <a:br>
+              <a:rPr lang="en-US" sz="3600" cap="none" dirty="0">
+                <a:solidFill>
+                  <a:schemeClr val="tx1"/>
+                </a:solidFill>
+              </a:rPr>
+            </a:br>
+            <a:br>
+              <a:rPr lang="en-US" sz="4400" cap="none" dirty="0">
+                <a:solidFill>
+                  <a:schemeClr val="tx1"/>
+                </a:solidFill>
+              </a:rPr>
+            </a:br>
+            <a:r>
+              <a:rPr lang="en-US" sz="4400" b="1" cap="none">
+                <a:solidFill>
+                  <a:schemeClr val="accent4">
+                    <a:lumMod val="60000"/>
+                    <a:lumOff val="40000"/>
+                  </a:schemeClr>
+                </a:solidFill>
+              </a:rPr>
+              <a:t>Week 8:</a:t>
+            </a:r>
+            <a:endParaRPr lang="en-US" sz="4400" b="1" cap="none" dirty="0">
+              <a:solidFill>
+                <a:schemeClr val="accent4">
+                  <a:lumMod val="60000"/>
+                  <a:lumOff val="40000"/>
+                </a:schemeClr>
+              </a:solidFill>
+            </a:endParaRPr>
+          </a:p>
+        </p:txBody>
+      </p:sp>
     </p:spTree>
     <p:extLst>
       <p:ext uri="{BB962C8B-B14F-4D97-AF65-F5344CB8AC3E}">

--- a/COMP2x0-portfolio-workshop-08.pptx
+++ b/COMP2x0-portfolio-workshop-08.pptx
@@ -6,10 +6,11 @@
   </p:sldMasterIdLst>
   <p:sldIdLst>
     <p:sldId id="257" r:id="rId2"/>
-    <p:sldId id="267" r:id="rId3"/>
-    <p:sldId id="265" r:id="rId4"/>
-    <p:sldId id="272" r:id="rId5"/>
-    <p:sldId id="268" r:id="rId6"/>
+    <p:sldId id="279" r:id="rId3"/>
+    <p:sldId id="281" r:id="rId4"/>
+    <p:sldId id="267" r:id="rId5"/>
+    <p:sldId id="270" r:id="rId6"/>
+    <p:sldId id="266" r:id="rId7"/>
   </p:sldIdLst>
   <p:sldSz cx="12192000" cy="6858000"/>
   <p:notesSz cx="6858000" cy="9144000"/>
@@ -585,7 +586,7 @@
           <a:p>
             <a:fld id="{EA0C0817-A112-4847-8014-A94B7D2A4EA3}" type="datetime1">
               <a:rPr lang="en-US" smtClean="0"/>
-              <a:t>1/21/2021</a:t>
+              <a:t>3/13/2021</a:t>
             </a:fld>
             <a:endParaRPr lang="en-US" dirty="0"/>
           </a:p>
@@ -787,7 +788,7 @@
           <a:p>
             <a:fld id="{134F40B7-36AB-4376-BE14-EF7004D79BB9}" type="datetime1">
               <a:rPr lang="en-US" smtClean="0"/>
-              <a:t>1/21/2021</a:t>
+              <a:t>3/13/2021</a:t>
             </a:fld>
             <a:endParaRPr lang="en-US"/>
           </a:p>
@@ -967,7 +968,7 @@
           <a:p>
             <a:fld id="{FF87CAB8-DCAE-46A5-AADA-B3FAD11A54E0}" type="datetime1">
               <a:rPr lang="en-US" smtClean="0"/>
-              <a:t>1/21/2021</a:t>
+              <a:t>3/13/2021</a:t>
             </a:fld>
             <a:endParaRPr lang="en-US"/>
           </a:p>
@@ -1137,7 +1138,7 @@
           <a:p>
             <a:fld id="{7332B432-ACDA-4023-A761-2BAB76577B62}" type="datetime1">
               <a:rPr lang="en-US" smtClean="0"/>
-              <a:t>1/21/2021</a:t>
+              <a:t>3/13/2021</a:t>
             </a:fld>
             <a:endParaRPr lang="en-US"/>
           </a:p>
@@ -1736,7 +1737,7 @@
           <a:p>
             <a:fld id="{D9C646AA-F36E-4540-911D-FFFC0A0EF24A}" type="datetime1">
               <a:rPr lang="en-US" smtClean="0"/>
-              <a:t>1/21/2021</a:t>
+              <a:t>3/13/2021</a:t>
             </a:fld>
             <a:endParaRPr lang="en-US" dirty="0"/>
           </a:p>
@@ -2056,7 +2057,7 @@
           <a:p>
             <a:fld id="{69186D26-FA5F-4637-B602-B7C2DC34CFD4}" type="datetime1">
               <a:rPr lang="en-US" smtClean="0"/>
-              <a:t>1/21/2021</a:t>
+              <a:t>3/13/2021</a:t>
             </a:fld>
             <a:endParaRPr lang="en-US"/>
           </a:p>
@@ -2493,7 +2494,7 @@
           <a:p>
             <a:fld id="{8A7F15D8-96D1-4781-BC50-CA8A088B2FE4}" type="datetime1">
               <a:rPr lang="en-US" smtClean="0"/>
-              <a:t>1/21/2021</a:t>
+              <a:t>3/13/2021</a:t>
             </a:fld>
             <a:endParaRPr lang="en-US"/>
           </a:p>
@@ -2611,7 +2612,7 @@
           <a:p>
             <a:fld id="{F9A96C99-B8F8-4528-BD05-0E16E943DC09}" type="datetime1">
               <a:rPr lang="en-US" smtClean="0"/>
-              <a:t>1/21/2021</a:t>
+              <a:t>3/13/2021</a:t>
             </a:fld>
             <a:endParaRPr lang="en-US"/>
           </a:p>
@@ -2706,7 +2707,7 @@
           <a:p>
             <a:fld id="{03636942-C211-4B28-8DBD-C953E00AF71B}" type="datetime1">
               <a:rPr lang="en-US" smtClean="0"/>
-              <a:t>1/21/2021</a:t>
+              <a:t>3/13/2021</a:t>
             </a:fld>
             <a:endParaRPr lang="en-US"/>
           </a:p>
@@ -3123,7 +3124,7 @@
           <a:p>
             <a:fld id="{7E8D12A6-918A-48BD-8CB9-CA713993B0EA}" type="datetime1">
               <a:rPr lang="en-US" smtClean="0"/>
-              <a:t>1/21/2021</a:t>
+              <a:t>3/13/2021</a:t>
             </a:fld>
             <a:endParaRPr lang="en-US"/>
           </a:p>
@@ -3385,7 +3386,7 @@
             <a:fld id="{E778CE86-875F-4587-BCF6-FA054AFC0D53}" type="datetime1">
               <a:rPr lang="en-US" smtClean="0"/>
               <a:pPr/>
-              <a:t>1/21/2021</a:t>
+              <a:t>3/13/2021</a:t>
             </a:fld>
             <a:endParaRPr lang="en-US" dirty="0"/>
           </a:p>
@@ -3901,7 +3902,7 @@
           <a:p>
             <a:fld id="{F6FA2B21-3FCD-4721-B95C-427943F61125}" type="datetime1">
               <a:rPr lang="en-US" smtClean="0"/>
-              <a:t>1/21/2021</a:t>
+              <a:t>3/13/2021</a:t>
             </a:fld>
             <a:endParaRPr lang="en-US"/>
           </a:p>
@@ -4635,7 +4636,7 @@
               </a:rPr>
             </a:br>
             <a:r>
-              <a:rPr lang="en-US" sz="4400" b="1" cap="none">
+              <a:rPr lang="en-US" sz="4400" b="1" cap="none" dirty="0">
                 <a:solidFill>
                   <a:schemeClr val="accent4">
                     <a:lumMod val="60000"/>
@@ -4643,16 +4644,8 @@
                   </a:schemeClr>
                 </a:solidFill>
               </a:rPr>
-              <a:t>Week 8:</a:t>
-            </a:r>
-            <a:endParaRPr lang="en-US" sz="4400" b="1" cap="none" dirty="0">
-              <a:solidFill>
-                <a:schemeClr val="accent4">
-                  <a:lumMod val="60000"/>
-                  <a:lumOff val="40000"/>
-                </a:schemeClr>
-              </a:solidFill>
-            </a:endParaRPr>
+              <a:t>Week 8: Posters Peer Review</a:t>
+            </a:r>
           </a:p>
         </p:txBody>
       </p:sp>
@@ -4686,12 +4679,43 @@
           <a:chExt cx="0" cy="0"/>
         </a:xfrm>
       </p:grpSpPr>
+      <p:sp>
+        <p:nvSpPr>
+          <p:cNvPr id="2" name="Title 1">
+            <a:extLst>
+              <a:ext uri="{FF2B5EF4-FFF2-40B4-BE49-F238E27FC236}">
+                <a16:creationId xmlns:a16="http://schemas.microsoft.com/office/drawing/2014/main" id="{9398AFCC-3409-4D1F-A6F5-215236764F11}"/>
+              </a:ext>
+            </a:extLst>
+          </p:cNvPr>
+          <p:cNvSpPr>
+            <a:spLocks noGrp="1"/>
+          </p:cNvSpPr>
+          <p:nvPr>
+            <p:ph type="title"/>
+          </p:nvPr>
+        </p:nvSpPr>
+        <p:spPr/>
+        <p:txBody>
+          <a:bodyPr/>
+          <a:lstStyle/>
+          <a:p>
+            <a:r>
+              <a:rPr lang="en-GB" dirty="0"/>
+              <a:t>Timeline</a:t>
+            </a:r>
+          </a:p>
+        </p:txBody>
+      </p:sp>
       <p:pic>
         <p:nvPicPr>
-          <p:cNvPr id="3" name="Picture 2">
+          <p:cNvPr id="5" name="Picture 4">
             <a:extLst>
               <a:ext uri="{FF2B5EF4-FFF2-40B4-BE49-F238E27FC236}">
-                <a16:creationId xmlns:a16="http://schemas.microsoft.com/office/drawing/2014/main" id="{091683AF-E17D-41F3-A73D-95BB33BBF953}"/>
+                <a16:creationId xmlns:a16="http://schemas.microsoft.com/office/drawing/2014/main" id="{3975E034-4A64-4FA2-B0E1-2A225B584936}"/>
+              </a:ext>
+              <a:ext uri="{C183D7F6-B498-43B3-948B-1728B52AA6E4}">
+                <adec:decorative xmlns:adec="http://schemas.microsoft.com/office/drawing/2017/decorative" val="1"/>
               </a:ext>
             </a:extLst>
           </p:cNvPr>
@@ -4708,8 +4732,8 @@
         </p:blipFill>
         <p:spPr>
           <a:xfrm>
-            <a:off x="3932171" y="491545"/>
-            <a:ext cx="4327658" cy="5874910"/>
+            <a:off x="3973551" y="1328394"/>
+            <a:ext cx="5939884" cy="4424718"/>
           </a:xfrm>
           <a:prstGeom prst="rect">
             <a:avLst/>
@@ -4718,10 +4742,13 @@
       </p:pic>
       <p:sp>
         <p:nvSpPr>
-          <p:cNvPr id="15" name="Multiplication Sign 14">
+          <p:cNvPr id="3" name="Oval 2">
             <a:extLst>
               <a:ext uri="{FF2B5EF4-FFF2-40B4-BE49-F238E27FC236}">
-                <a16:creationId xmlns:a16="http://schemas.microsoft.com/office/drawing/2014/main" id="{A4D42ADB-A734-41D6-A61A-A9762DCCE796}"/>
+                <a16:creationId xmlns:a16="http://schemas.microsoft.com/office/drawing/2014/main" id="{317F2280-F2F7-4EA4-B812-7C59DEA3021C}"/>
+              </a:ext>
+              <a:ext uri="{C183D7F6-B498-43B3-948B-1728B52AA6E4}">
+                <adec:decorative xmlns:adec="http://schemas.microsoft.com/office/drawing/2017/decorative" val="1"/>
               </a:ext>
             </a:extLst>
           </p:cNvPr>
@@ -4730,24 +4757,16 @@
         </p:nvSpPr>
         <p:spPr>
           <a:xfrm>
-            <a:off x="3522518" y="1442152"/>
-            <a:ext cx="4327658" cy="834004"/>
+            <a:off x="3987370" y="3891777"/>
+            <a:ext cx="5077118" cy="1890330"/>
           </a:xfrm>
-          <a:prstGeom prst="mathMultiply">
+          <a:prstGeom prst="ellipse">
             <a:avLst/>
           </a:prstGeom>
-          <a:solidFill>
-            <a:schemeClr val="tx1">
-              <a:lumMod val="85000"/>
-              <a:lumOff val="15000"/>
-            </a:schemeClr>
-          </a:solidFill>
-          <a:ln>
+          <a:noFill/>
+          <a:ln w="57150">
             <a:solidFill>
-              <a:schemeClr val="tx1">
-                <a:lumMod val="85000"/>
-                <a:lumOff val="15000"/>
-              </a:schemeClr>
+              <a:srgbClr val="FF0000"/>
             </a:solidFill>
           </a:ln>
         </p:spPr>
@@ -4772,387 +4791,203 @@
           <a:lstStyle/>
           <a:p>
             <a:pPr algn="ctr"/>
-            <a:endParaRPr lang="en-GB">
-              <a:solidFill>
-                <a:srgbClr val="C00000"/>
-              </a:solidFill>
-            </a:endParaRPr>
-          </a:p>
-        </p:txBody>
-      </p:sp>
-      <p:sp>
-        <p:nvSpPr>
-          <p:cNvPr id="2" name="Title 1">
+            <a:endParaRPr lang="en-GB"/>
+          </a:p>
+        </p:txBody>
+      </p:sp>
+      <p:grpSp>
+        <p:nvGrpSpPr>
+          <p:cNvPr id="8" name="Group 7">
             <a:extLst>
               <a:ext uri="{FF2B5EF4-FFF2-40B4-BE49-F238E27FC236}">
-                <a16:creationId xmlns:a16="http://schemas.microsoft.com/office/drawing/2014/main" id="{9398AFCC-3409-4D1F-A6F5-215236764F11}"/>
+                <a16:creationId xmlns:a16="http://schemas.microsoft.com/office/drawing/2014/main" id="{3DC1ABD7-9DFF-463E-87AC-0F3E2899B8F3}"/>
               </a:ext>
             </a:extLst>
           </p:cNvPr>
-          <p:cNvSpPr>
-            <a:spLocks noGrp="1"/>
-          </p:cNvSpPr>
-          <p:nvPr>
-            <p:ph type="title"/>
-          </p:nvPr>
-        </p:nvSpPr>
-        <p:spPr/>
-        <p:txBody>
-          <a:bodyPr/>
-          <a:lstStyle/>
-          <a:p>
-            <a:r>
-              <a:rPr lang="en-GB" dirty="0"/>
-              <a:t>Timeline</a:t>
-            </a:r>
-          </a:p>
-        </p:txBody>
-      </p:sp>
-      <p:sp>
-        <p:nvSpPr>
-          <p:cNvPr id="5" name="Multiplication Sign 4">
-            <a:extLst>
-              <a:ext uri="{FF2B5EF4-FFF2-40B4-BE49-F238E27FC236}">
-                <a16:creationId xmlns:a16="http://schemas.microsoft.com/office/drawing/2014/main" id="{16A6878F-C78B-47FC-A40D-FF141A7B3FE8}"/>
-              </a:ext>
-            </a:extLst>
-          </p:cNvPr>
-          <p:cNvSpPr/>
+          <p:cNvGrpSpPr/>
           <p:nvPr/>
-        </p:nvSpPr>
-        <p:spPr>
+        </p:nvGrpSpPr>
+        <p:grpSpPr>
           <a:xfrm>
-            <a:off x="3522518" y="779318"/>
-            <a:ext cx="4327658" cy="834004"/>
+            <a:off x="2278565" y="1899437"/>
+            <a:ext cx="8229600" cy="2216433"/>
+            <a:chOff x="2278565" y="1899437"/>
+            <a:chExt cx="8229600" cy="2216433"/>
           </a:xfrm>
-          <a:prstGeom prst="mathMultiply">
-            <a:avLst/>
-          </a:prstGeom>
-          <a:solidFill>
-            <a:schemeClr val="tx1">
-              <a:lumMod val="85000"/>
-              <a:lumOff val="15000"/>
-            </a:schemeClr>
-          </a:solidFill>
-          <a:ln>
+        </p:grpSpPr>
+        <p:sp>
+          <p:nvSpPr>
+            <p:cNvPr id="4" name="Multiplication Sign 3">
+              <a:extLst>
+                <a:ext uri="{FF2B5EF4-FFF2-40B4-BE49-F238E27FC236}">
+                  <a16:creationId xmlns:a16="http://schemas.microsoft.com/office/drawing/2014/main" id="{EA35AD3D-FC09-4B9A-8DFB-7F202A6B0507}"/>
+                </a:ext>
+              </a:extLst>
+            </p:cNvPr>
+            <p:cNvSpPr/>
+            <p:nvPr/>
+          </p:nvSpPr>
+          <p:spPr>
+            <a:xfrm>
+              <a:off x="2278565" y="1899437"/>
+              <a:ext cx="8229600" cy="735496"/>
+            </a:xfrm>
+            <a:prstGeom prst="mathMultiply">
+              <a:avLst>
+                <a:gd name="adj1" fmla="val 11358"/>
+              </a:avLst>
+            </a:prstGeom>
             <a:solidFill>
-              <a:schemeClr val="tx1">
-                <a:lumMod val="85000"/>
-                <a:lumOff val="15000"/>
+              <a:schemeClr val="accent2">
+                <a:lumMod val="75000"/>
               </a:schemeClr>
             </a:solidFill>
-          </a:ln>
-        </p:spPr>
-        <p:style>
-          <a:lnRef idx="2">
-            <a:schemeClr val="accent1">
-              <a:shade val="50000"/>
-            </a:schemeClr>
-          </a:lnRef>
-          <a:fillRef idx="1">
-            <a:schemeClr val="accent1"/>
-          </a:fillRef>
-          <a:effectRef idx="0">
-            <a:schemeClr val="accent1"/>
-          </a:effectRef>
-          <a:fontRef idx="minor">
-            <a:schemeClr val="lt1"/>
-          </a:fontRef>
-        </p:style>
-        <p:txBody>
-          <a:bodyPr rtlCol="0" anchor="ctr"/>
-          <a:lstStyle/>
-          <a:p>
-            <a:pPr algn="ctr"/>
-            <a:endParaRPr lang="en-GB">
-              <a:solidFill>
-                <a:srgbClr val="C00000"/>
-              </a:solidFill>
-            </a:endParaRPr>
-          </a:p>
-        </p:txBody>
-      </p:sp>
-      <p:sp>
-        <p:nvSpPr>
-          <p:cNvPr id="7" name="Oval 6">
-            <a:extLst>
-              <a:ext uri="{FF2B5EF4-FFF2-40B4-BE49-F238E27FC236}">
-                <a16:creationId xmlns:a16="http://schemas.microsoft.com/office/drawing/2014/main" id="{AC53622E-8DB9-4035-83D9-2544AD885C33}"/>
-              </a:ext>
-            </a:extLst>
-          </p:cNvPr>
-          <p:cNvSpPr/>
-          <p:nvPr/>
-        </p:nvSpPr>
-        <p:spPr>
-          <a:xfrm>
-            <a:off x="3932171" y="2865158"/>
-            <a:ext cx="4327658" cy="1150502"/>
-          </a:xfrm>
-          <a:prstGeom prst="ellipse">
-            <a:avLst/>
-          </a:prstGeom>
-          <a:noFill/>
-          <a:ln w="76200">
-            <a:solidFill>
-              <a:srgbClr val="FFC000"/>
-            </a:solidFill>
-          </a:ln>
-        </p:spPr>
-        <p:style>
-          <a:lnRef idx="2">
-            <a:schemeClr val="accent1">
-              <a:shade val="50000"/>
-            </a:schemeClr>
-          </a:lnRef>
-          <a:fillRef idx="1">
-            <a:schemeClr val="accent1"/>
-          </a:fillRef>
-          <a:effectRef idx="0">
-            <a:schemeClr val="accent1"/>
-          </a:effectRef>
-          <a:fontRef idx="minor">
-            <a:schemeClr val="lt1"/>
-          </a:fontRef>
-        </p:style>
-        <p:txBody>
-          <a:bodyPr rtlCol="0" anchor="ctr"/>
-          <a:lstStyle/>
-          <a:p>
-            <a:pPr algn="ctr"/>
-            <a:endParaRPr lang="en-GB"/>
-          </a:p>
-        </p:txBody>
-      </p:sp>
-      <p:pic>
-        <p:nvPicPr>
-          <p:cNvPr id="10" name="Picture 9">
-            <a:extLst>
-              <a:ext uri="{FF2B5EF4-FFF2-40B4-BE49-F238E27FC236}">
-                <a16:creationId xmlns:a16="http://schemas.microsoft.com/office/drawing/2014/main" id="{C33C8254-6171-4221-AD8A-7610647A640B}"/>
-              </a:ext>
-            </a:extLst>
-          </p:cNvPr>
-          <p:cNvPicPr>
-            <a:picLocks noChangeAspect="1"/>
-          </p:cNvPicPr>
-          <p:nvPr/>
-        </p:nvPicPr>
-        <p:blipFill>
-          <a:blip r:embed="rId3"/>
-          <a:stretch>
-            <a:fillRect/>
-          </a:stretch>
-        </p:blipFill>
-        <p:spPr>
-          <a:xfrm>
-            <a:off x="7787469" y="514363"/>
-            <a:ext cx="3810092" cy="2663466"/>
-          </a:xfrm>
-          <a:prstGeom prst="rect">
-            <a:avLst/>
-          </a:prstGeom>
-          <a:ln w="76200">
-            <a:solidFill>
-              <a:srgbClr val="FFC000"/>
-            </a:solidFill>
-          </a:ln>
-        </p:spPr>
-      </p:pic>
-      <p:sp>
-        <p:nvSpPr>
-          <p:cNvPr id="12" name="Oval 11">
-            <a:extLst>
-              <a:ext uri="{FF2B5EF4-FFF2-40B4-BE49-F238E27FC236}">
-                <a16:creationId xmlns:a16="http://schemas.microsoft.com/office/drawing/2014/main" id="{BBE8D471-5588-4D98-B8CF-30BA52A066CE}"/>
-              </a:ext>
-            </a:extLst>
-          </p:cNvPr>
-          <p:cNvSpPr/>
-          <p:nvPr/>
-        </p:nvSpPr>
-        <p:spPr>
-          <a:xfrm>
-            <a:off x="4016612" y="4015660"/>
-            <a:ext cx="3948544" cy="550718"/>
-          </a:xfrm>
-          <a:prstGeom prst="ellipse">
-            <a:avLst/>
-          </a:prstGeom>
-          <a:noFill/>
-          <a:ln w="76200">
+            <a:ln>
+              <a:noFill/>
+            </a:ln>
+          </p:spPr>
+          <p:style>
+            <a:lnRef idx="2">
+              <a:schemeClr val="accent1">
+                <a:shade val="50000"/>
+              </a:schemeClr>
+            </a:lnRef>
+            <a:fillRef idx="1">
+              <a:schemeClr val="accent1"/>
+            </a:fillRef>
+            <a:effectRef idx="0">
+              <a:schemeClr val="accent1"/>
+            </a:effectRef>
+            <a:fontRef idx="minor">
+              <a:schemeClr val="lt1"/>
+            </a:fontRef>
+          </p:style>
+          <p:txBody>
+            <a:bodyPr rtlCol="0" anchor="ctr"/>
+            <a:lstStyle/>
+            <a:p>
+              <a:pPr algn="ctr"/>
+              <a:endParaRPr lang="en-GB"/>
+            </a:p>
+          </p:txBody>
+        </p:sp>
+        <p:sp>
+          <p:nvSpPr>
+            <p:cNvPr id="6" name="Multiplication Sign 5">
+              <a:extLst>
+                <a:ext uri="{FF2B5EF4-FFF2-40B4-BE49-F238E27FC236}">
+                  <a16:creationId xmlns:a16="http://schemas.microsoft.com/office/drawing/2014/main" id="{DF15E6AC-311C-4EE5-BDB3-07A882A785AA}"/>
+                </a:ext>
+              </a:extLst>
+            </p:cNvPr>
+            <p:cNvSpPr/>
+            <p:nvPr/>
+          </p:nvSpPr>
+          <p:spPr>
+            <a:xfrm>
+              <a:off x="2278565" y="3380374"/>
+              <a:ext cx="8229600" cy="735496"/>
+            </a:xfrm>
+            <a:prstGeom prst="mathMultiply">
+              <a:avLst>
+                <a:gd name="adj1" fmla="val 11358"/>
+              </a:avLst>
+            </a:prstGeom>
             <a:solidFill>
               <a:schemeClr val="accent2">
-                <a:lumMod val="50000"/>
+                <a:lumMod val="75000"/>
               </a:schemeClr>
             </a:solidFill>
-          </a:ln>
-        </p:spPr>
-        <p:style>
-          <a:lnRef idx="2">
-            <a:schemeClr val="accent1">
-              <a:shade val="50000"/>
-            </a:schemeClr>
-          </a:lnRef>
-          <a:fillRef idx="1">
-            <a:schemeClr val="accent1"/>
-          </a:fillRef>
-          <a:effectRef idx="0">
-            <a:schemeClr val="accent1"/>
-          </a:effectRef>
-          <a:fontRef idx="minor">
-            <a:schemeClr val="lt1"/>
-          </a:fontRef>
-        </p:style>
-        <p:txBody>
-          <a:bodyPr rtlCol="0" anchor="ctr"/>
-          <a:lstStyle/>
-          <a:p>
-            <a:pPr algn="ctr"/>
-            <a:endParaRPr lang="en-GB"/>
-          </a:p>
-        </p:txBody>
-      </p:sp>
-      <p:pic>
-        <p:nvPicPr>
-          <p:cNvPr id="4" name="Picture 3">
-            <a:extLst>
-              <a:ext uri="{FF2B5EF4-FFF2-40B4-BE49-F238E27FC236}">
-                <a16:creationId xmlns:a16="http://schemas.microsoft.com/office/drawing/2014/main" id="{CB7177EF-C2EF-4C17-81D4-AF06BC06E5B0}"/>
-              </a:ext>
-            </a:extLst>
-          </p:cNvPr>
-          <p:cNvPicPr>
-            <a:picLocks noChangeAspect="1"/>
-          </p:cNvPicPr>
-          <p:nvPr/>
-        </p:nvPicPr>
-        <p:blipFill>
-          <a:blip r:embed="rId4"/>
-          <a:stretch>
-            <a:fillRect/>
-          </a:stretch>
-        </p:blipFill>
-        <p:spPr>
-          <a:xfrm>
-            <a:off x="7906006" y="3276279"/>
-            <a:ext cx="3810093" cy="1328383"/>
-          </a:xfrm>
-          <a:prstGeom prst="rect">
-            <a:avLst/>
-          </a:prstGeom>
-          <a:ln w="76200">
-            <a:solidFill>
-              <a:srgbClr val="FFC000"/>
-            </a:solidFill>
-          </a:ln>
-        </p:spPr>
-      </p:pic>
-      <p:pic>
-        <p:nvPicPr>
-          <p:cNvPr id="13" name="Picture 12">
-            <a:extLst>
-              <a:ext uri="{FF2B5EF4-FFF2-40B4-BE49-F238E27FC236}">
-                <a16:creationId xmlns:a16="http://schemas.microsoft.com/office/drawing/2014/main" id="{BFC39E0F-FB9B-4C39-9111-31B997C56F9F}"/>
-              </a:ext>
-            </a:extLst>
-          </p:cNvPr>
-          <p:cNvPicPr>
-            <a:picLocks noChangeAspect="1"/>
-          </p:cNvPicPr>
-          <p:nvPr/>
-        </p:nvPicPr>
-        <p:blipFill>
-          <a:blip r:embed="rId5"/>
-          <a:stretch>
-            <a:fillRect/>
-          </a:stretch>
-        </p:blipFill>
-        <p:spPr>
-          <a:xfrm>
-            <a:off x="475901" y="4253370"/>
-            <a:ext cx="3281870" cy="1962036"/>
-          </a:xfrm>
-          <a:prstGeom prst="rect">
-            <a:avLst/>
-          </a:prstGeom>
-          <a:ln w="76200">
+            <a:ln>
+              <a:noFill/>
+            </a:ln>
+          </p:spPr>
+          <p:style>
+            <a:lnRef idx="2">
+              <a:schemeClr val="accent1">
+                <a:shade val="50000"/>
+              </a:schemeClr>
+            </a:lnRef>
+            <a:fillRef idx="1">
+              <a:schemeClr val="accent1"/>
+            </a:fillRef>
+            <a:effectRef idx="0">
+              <a:schemeClr val="accent1"/>
+            </a:effectRef>
+            <a:fontRef idx="minor">
+              <a:schemeClr val="lt1"/>
+            </a:fontRef>
+          </p:style>
+          <p:txBody>
+            <a:bodyPr rtlCol="0" anchor="ctr"/>
+            <a:lstStyle/>
+            <a:p>
+              <a:pPr algn="ctr"/>
+              <a:endParaRPr lang="en-GB"/>
+            </a:p>
+          </p:txBody>
+        </p:sp>
+        <p:sp>
+          <p:nvSpPr>
+            <p:cNvPr id="7" name="Multiplication Sign 6">
+              <a:extLst>
+                <a:ext uri="{FF2B5EF4-FFF2-40B4-BE49-F238E27FC236}">
+                  <a16:creationId xmlns:a16="http://schemas.microsoft.com/office/drawing/2014/main" id="{A57F07A2-84D8-4045-A380-98CCC8F6C04D}"/>
+                </a:ext>
+              </a:extLst>
+            </p:cNvPr>
+            <p:cNvSpPr/>
+            <p:nvPr/>
+          </p:nvSpPr>
+          <p:spPr>
+            <a:xfrm>
+              <a:off x="2278565" y="2663928"/>
+              <a:ext cx="8229600" cy="735496"/>
+            </a:xfrm>
+            <a:prstGeom prst="mathMultiply">
+              <a:avLst>
+                <a:gd name="adj1" fmla="val 11358"/>
+              </a:avLst>
+            </a:prstGeom>
             <a:solidFill>
               <a:schemeClr val="accent2">
-                <a:lumMod val="50000"/>
+                <a:lumMod val="75000"/>
               </a:schemeClr>
             </a:solidFill>
-          </a:ln>
-        </p:spPr>
-      </p:pic>
-      <p:sp>
-        <p:nvSpPr>
-          <p:cNvPr id="16" name="Multiplication Sign 15">
-            <a:extLst>
-              <a:ext uri="{FF2B5EF4-FFF2-40B4-BE49-F238E27FC236}">
-                <a16:creationId xmlns:a16="http://schemas.microsoft.com/office/drawing/2014/main" id="{831D3668-26E1-45DC-8C0D-168B702DD691}"/>
-              </a:ext>
-            </a:extLst>
-          </p:cNvPr>
-          <p:cNvSpPr/>
-          <p:nvPr/>
-        </p:nvSpPr>
-        <p:spPr>
-          <a:xfrm>
-            <a:off x="3522518" y="2142425"/>
-            <a:ext cx="4327658" cy="834004"/>
-          </a:xfrm>
-          <a:prstGeom prst="mathMultiply">
-            <a:avLst/>
-          </a:prstGeom>
-          <a:solidFill>
-            <a:schemeClr val="tx1">
-              <a:lumMod val="85000"/>
-              <a:lumOff val="15000"/>
-            </a:schemeClr>
-          </a:solidFill>
-          <a:ln>
-            <a:solidFill>
-              <a:schemeClr val="tx1">
-                <a:lumMod val="85000"/>
-                <a:lumOff val="15000"/>
+            <a:ln>
+              <a:noFill/>
+            </a:ln>
+          </p:spPr>
+          <p:style>
+            <a:lnRef idx="2">
+              <a:schemeClr val="accent1">
+                <a:shade val="50000"/>
               </a:schemeClr>
-            </a:solidFill>
-          </a:ln>
-        </p:spPr>
-        <p:style>
-          <a:lnRef idx="2">
-            <a:schemeClr val="accent1">
-              <a:shade val="50000"/>
-            </a:schemeClr>
-          </a:lnRef>
-          <a:fillRef idx="1">
-            <a:schemeClr val="accent1"/>
-          </a:fillRef>
-          <a:effectRef idx="0">
-            <a:schemeClr val="accent1"/>
-          </a:effectRef>
-          <a:fontRef idx="minor">
-            <a:schemeClr val="lt1"/>
-          </a:fontRef>
-        </p:style>
-        <p:txBody>
-          <a:bodyPr rtlCol="0" anchor="ctr"/>
-          <a:lstStyle/>
-          <a:p>
-            <a:pPr algn="ctr"/>
-            <a:endParaRPr lang="en-GB">
-              <a:solidFill>
-                <a:srgbClr val="C00000"/>
-              </a:solidFill>
-            </a:endParaRPr>
-          </a:p>
-        </p:txBody>
-      </p:sp>
+            </a:lnRef>
+            <a:fillRef idx="1">
+              <a:schemeClr val="accent1"/>
+            </a:fillRef>
+            <a:effectRef idx="0">
+              <a:schemeClr val="accent1"/>
+            </a:effectRef>
+            <a:fontRef idx="minor">
+              <a:schemeClr val="lt1"/>
+            </a:fontRef>
+          </p:style>
+          <p:txBody>
+            <a:bodyPr rtlCol="0" anchor="ctr"/>
+            <a:lstStyle/>
+            <a:p>
+              <a:pPr algn="ctr"/>
+              <a:endParaRPr lang="en-GB" dirty="0"/>
+            </a:p>
+          </p:txBody>
+        </p:sp>
+      </p:grpSp>
     </p:spTree>
     <p:extLst>
       <p:ext uri="{BB962C8B-B14F-4D97-AF65-F5344CB8AC3E}">
-        <p14:creationId xmlns:p14="http://schemas.microsoft.com/office/powerpoint/2010/main" val="1039632363"/>
+        <p14:creationId xmlns:p14="http://schemas.microsoft.com/office/powerpoint/2010/main" val="468880579"/>
       </p:ext>
     </p:extLst>
   </p:cSld>
@@ -5180,7 +5015,7 @@
                             </p:stCondLst>
                             <p:childTnLst>
                               <p:par>
-                                <p:cTn id="5" presetID="1" presetClass="entr" presetSubtype="0" fill="hold" grpId="0" nodeType="clickEffect">
+                                <p:cTn id="5" presetID="10" presetClass="entr" presetSubtype="0" fill="hold" nodeType="clickEffect">
                                   <p:stCondLst>
                                     <p:cond delay="0"/>
                                   </p:stCondLst>
@@ -5193,7 +5028,7 @@
                                           </p:stCondLst>
                                         </p:cTn>
                                         <p:tgtEl>
-                                          <p:spTgt spid="7"/>
+                                          <p:spTgt spid="8"/>
                                         </p:tgtEl>
                                         <p:attrNameLst>
                                           <p:attrName>style.visibility</p:attrName>
@@ -5203,78 +5038,14 @@
                                         <p:strVal val="visible"/>
                                       </p:to>
                                     </p:set>
-                                  </p:childTnLst>
-                                </p:cTn>
-                              </p:par>
-                            </p:childTnLst>
-                          </p:cTn>
-                        </p:par>
-                        <p:par>
-                          <p:cTn id="7" fill="hold">
-                            <p:stCondLst>
-                              <p:cond delay="0"/>
-                            </p:stCondLst>
-                            <p:childTnLst>
-                              <p:par>
-                                <p:cTn id="8" presetID="1" presetClass="entr" presetSubtype="0" fill="hold" nodeType="afterEffect">
-                                  <p:stCondLst>
-                                    <p:cond delay="500"/>
-                                  </p:stCondLst>
-                                  <p:childTnLst>
-                                    <p:set>
+                                    <p:animEffect transition="in" filter="fade">
                                       <p:cBhvr>
-                                        <p:cTn id="9" dur="1" fill="hold">
-                                          <p:stCondLst>
-                                            <p:cond delay="0"/>
-                                          </p:stCondLst>
-                                        </p:cTn>
+                                        <p:cTn id="7" dur="500"/>
                                         <p:tgtEl>
-                                          <p:spTgt spid="10"/>
+                                          <p:spTgt spid="8"/>
                                         </p:tgtEl>
-                                        <p:attrNameLst>
-                                          <p:attrName>style.visibility</p:attrName>
-                                        </p:attrNameLst>
                                       </p:cBhvr>
-                                      <p:to>
-                                        <p:strVal val="visible"/>
-                                      </p:to>
-                                    </p:set>
-                                  </p:childTnLst>
-                                </p:cTn>
-                              </p:par>
-                            </p:childTnLst>
-                          </p:cTn>
-                        </p:par>
-                        <p:par>
-                          <p:cTn id="10" fill="hold">
-                            <p:stCondLst>
-                              <p:cond delay="500"/>
-                            </p:stCondLst>
-                            <p:childTnLst>
-                              <p:par>
-                                <p:cTn id="11" presetID="1" presetClass="entr" presetSubtype="0" fill="hold" nodeType="afterEffect">
-                                  <p:stCondLst>
-                                    <p:cond delay="500"/>
-                                  </p:stCondLst>
-                                  <p:childTnLst>
-                                    <p:set>
-                                      <p:cBhvr>
-                                        <p:cTn id="12" dur="1" fill="hold">
-                                          <p:stCondLst>
-                                            <p:cond delay="0"/>
-                                          </p:stCondLst>
-                                        </p:cTn>
-                                        <p:tgtEl>
-                                          <p:spTgt spid="4"/>
-                                        </p:tgtEl>
-                                        <p:attrNameLst>
-                                          <p:attrName>style.visibility</p:attrName>
-                                        </p:attrNameLst>
-                                      </p:cBhvr>
-                                      <p:to>
-                                        <p:strVal val="visible"/>
-                                      </p:to>
-                                    </p:set>
+                                    </p:animEffect>
                                   </p:childTnLst>
                                 </p:cTn>
                               </p:par>
@@ -5285,32 +5056,32 @@
                     </p:cTn>
                   </p:par>
                   <p:par>
-                    <p:cTn id="13" fill="hold">
+                    <p:cTn id="8" fill="hold">
                       <p:stCondLst>
                         <p:cond delay="indefinite"/>
                       </p:stCondLst>
                       <p:childTnLst>
                         <p:par>
-                          <p:cTn id="14" fill="hold">
+                          <p:cTn id="9" fill="hold">
                             <p:stCondLst>
                               <p:cond delay="0"/>
                             </p:stCondLst>
                             <p:childTnLst>
                               <p:par>
-                                <p:cTn id="15" presetID="1" presetClass="entr" presetSubtype="0" fill="hold" grpId="0" nodeType="clickEffect">
+                                <p:cTn id="10" presetID="22" presetClass="entr" presetSubtype="4" fill="hold" grpId="0" nodeType="clickEffect">
                                   <p:stCondLst>
                                     <p:cond delay="0"/>
                                   </p:stCondLst>
                                   <p:childTnLst>
                                     <p:set>
                                       <p:cBhvr>
-                                        <p:cTn id="16" dur="1" fill="hold">
+                                        <p:cTn id="11" dur="1" fill="hold">
                                           <p:stCondLst>
                                             <p:cond delay="0"/>
                                           </p:stCondLst>
                                         </p:cTn>
                                         <p:tgtEl>
-                                          <p:spTgt spid="12"/>
+                                          <p:spTgt spid="3"/>
                                         </p:tgtEl>
                                         <p:attrNameLst>
                                           <p:attrName>style.visibility</p:attrName>
@@ -5320,42 +5091,14 @@
                                         <p:strVal val="visible"/>
                                       </p:to>
                                     </p:set>
-                                  </p:childTnLst>
-                                </p:cTn>
-                              </p:par>
-                            </p:childTnLst>
-                          </p:cTn>
-                        </p:par>
-                        <p:par>
-                          <p:cTn id="17" fill="hold">
-                            <p:stCondLst>
-                              <p:cond delay="0"/>
-                            </p:stCondLst>
-                            <p:childTnLst>
-                              <p:par>
-                                <p:cTn id="18" presetID="1" presetClass="entr" presetSubtype="0" fill="hold" nodeType="afterEffect">
-                                  <p:stCondLst>
-                                    <p:cond delay="500"/>
-                                  </p:stCondLst>
-                                  <p:childTnLst>
-                                    <p:set>
+                                    <p:animEffect transition="in" filter="wipe(down)">
                                       <p:cBhvr>
-                                        <p:cTn id="19" dur="1" fill="hold">
-                                          <p:stCondLst>
-                                            <p:cond delay="0"/>
-                                          </p:stCondLst>
-                                        </p:cTn>
+                                        <p:cTn id="12" dur="500"/>
                                         <p:tgtEl>
-                                          <p:spTgt spid="13"/>
+                                          <p:spTgt spid="3"/>
                                         </p:tgtEl>
-                                        <p:attrNameLst>
-                                          <p:attrName>style.visibility</p:attrName>
-                                        </p:attrNameLst>
                                       </p:cBhvr>
-                                      <p:to>
-                                        <p:strVal val="visible"/>
-                                      </p:to>
-                                    </p:set>
+                                    </p:animEffect>
                                   </p:childTnLst>
                                 </p:cTn>
                               </p:par>
@@ -5387,8 +5130,7 @@
       </p:par>
     </p:tnLst>
     <p:bldLst>
-      <p:bldP spid="7" grpId="0" animBg="1"/>
-      <p:bldP spid="12" grpId="0" animBg="1"/>
+      <p:bldP spid="3" grpId="0" animBg="1"/>
     </p:bldLst>
   </p:timing>
 </p:sld>
@@ -5416,7 +5158,7 @@
           <p:cNvPr id="2" name="Title 1">
             <a:extLst>
               <a:ext uri="{FF2B5EF4-FFF2-40B4-BE49-F238E27FC236}">
-                <a16:creationId xmlns:a16="http://schemas.microsoft.com/office/drawing/2014/main" id="{CE93B9A9-5430-43CA-A076-1B33A322CAF1}"/>
+                <a16:creationId xmlns:a16="http://schemas.microsoft.com/office/drawing/2014/main" id="{97709E43-743E-47F7-A26A-95EF850D52AB}"/>
               </a:ext>
             </a:extLst>
           </p:cNvPr>
@@ -5429,250 +5171,417 @@
         </p:nvSpPr>
         <p:spPr/>
         <p:txBody>
-          <a:bodyPr>
-            <a:normAutofit/>
-          </a:bodyPr>
+          <a:bodyPr/>
           <a:lstStyle/>
           <a:p>
             <a:r>
-              <a:rPr lang="en-GB" sz="3600" dirty="0"/>
-              <a:t>Presenting posters</a:t>
-            </a:r>
-          </a:p>
-        </p:txBody>
-      </p:sp>
-      <p:sp>
-        <p:nvSpPr>
-          <p:cNvPr id="3" name="Content Placeholder 2">
+              <a:rPr lang="en-GB" dirty="0"/>
+              <a:t>Portfolio Roadmap</a:t>
+            </a:r>
+          </a:p>
+        </p:txBody>
+      </p:sp>
+      <p:graphicFrame>
+        <p:nvGraphicFramePr>
+          <p:cNvPr id="3" name="Table 3">
             <a:extLst>
               <a:ext uri="{FF2B5EF4-FFF2-40B4-BE49-F238E27FC236}">
-                <a16:creationId xmlns:a16="http://schemas.microsoft.com/office/drawing/2014/main" id="{A8B5FB3A-DBC2-49E7-B8E9-76B44D37034D}"/>
+                <a16:creationId xmlns:a16="http://schemas.microsoft.com/office/drawing/2014/main" id="{57A1C59F-6CE9-4F01-93B2-36A1FEF5CE87}"/>
               </a:ext>
             </a:extLst>
           </p:cNvPr>
-          <p:cNvSpPr>
-            <a:spLocks noGrp="1"/>
-          </p:cNvSpPr>
+          <p:cNvGraphicFramePr>
+            <a:graphicFrameLocks noGrp="1"/>
+          </p:cNvGraphicFramePr>
           <p:nvPr>
-            <p:ph idx="1"/>
+            <p:extLst>
+              <p:ext uri="{D42A27DB-BD31-4B8C-83A1-F6EECF244321}">
+                <p14:modId xmlns:p14="http://schemas.microsoft.com/office/powerpoint/2010/main" val="334931373"/>
+              </p:ext>
+            </p:extLst>
           </p:nvPr>
-        </p:nvSpPr>
-        <p:spPr>
-          <a:xfrm>
-            <a:off x="1066800" y="1864129"/>
-            <a:ext cx="10058400" cy="4112286"/>
-          </a:xfrm>
-        </p:spPr>
-        <p:txBody>
-          <a:bodyPr>
-            <a:noAutofit/>
-          </a:bodyPr>
-          <a:lstStyle/>
-          <a:p>
-            <a:r>
-              <a:rPr lang="en-GB" sz="2400" b="1" dirty="0"/>
-              <a:t>Purpose</a:t>
-            </a:r>
-            <a:r>
-              <a:rPr lang="en-GB" sz="2400" dirty="0"/>
-              <a:t>: </a:t>
-            </a:r>
-          </a:p>
-          <a:p>
-            <a:pPr lvl="1"/>
-            <a:r>
-              <a:rPr lang="en-GB" sz="2400" dirty="0"/>
-              <a:t>To highlight the key aspects of your work</a:t>
-            </a:r>
-          </a:p>
-          <a:p>
-            <a:pPr lvl="1"/>
-            <a:r>
-              <a:rPr lang="en-GB" sz="2400" dirty="0"/>
-              <a:t>To practice verbal communication, e.g. for interviews</a:t>
-            </a:r>
-          </a:p>
-          <a:p>
-            <a:pPr lvl="2"/>
-            <a:r>
-              <a:rPr lang="en-GB" sz="2300" dirty="0"/>
-              <a:t>including dealing with interruptions and questions…</a:t>
-            </a:r>
-          </a:p>
-        </p:txBody>
-      </p:sp>
+        </p:nvGraphicFramePr>
+        <p:xfrm>
+          <a:off x="2853082" y="2020684"/>
+          <a:ext cx="6485835" cy="2966720"/>
+        </p:xfrm>
+        <a:graphic>
+          <a:graphicData uri="http://schemas.openxmlformats.org/drawingml/2006/table">
+            <a:tbl>
+              <a:tblPr firstRow="1" bandRow="1">
+                <a:tableStyleId>{5C22544A-7EE6-4342-B048-85BDC9FD1C3A}</a:tableStyleId>
+              </a:tblPr>
+              <a:tblGrid>
+                <a:gridCol w="1630271">
+                  <a:extLst>
+                    <a:ext uri="{9D8B030D-6E8A-4147-A177-3AD203B41FA5}">
+                      <a16:colId xmlns:a16="http://schemas.microsoft.com/office/drawing/2014/main" val="1114425776"/>
+                    </a:ext>
+                  </a:extLst>
+                </a:gridCol>
+                <a:gridCol w="4855564">
+                  <a:extLst>
+                    <a:ext uri="{9D8B030D-6E8A-4147-A177-3AD203B41FA5}">
+                      <a16:colId xmlns:a16="http://schemas.microsoft.com/office/drawing/2014/main" val="193575294"/>
+                    </a:ext>
+                  </a:extLst>
+                </a:gridCol>
+              </a:tblGrid>
+              <a:tr h="370840">
+                <a:tc>
+                  <a:txBody>
+                    <a:bodyPr/>
+                    <a:lstStyle/>
+                    <a:p>
+                      <a:pPr algn="ctr"/>
+                      <a:r>
+                        <a:rPr lang="en-GB" dirty="0"/>
+                        <a:t>Week</a:t>
+                      </a:r>
+                    </a:p>
+                  </a:txBody>
+                  <a:tcPr/>
+                </a:tc>
+                <a:tc>
+                  <a:txBody>
+                    <a:bodyPr/>
+                    <a:lstStyle/>
+                    <a:p>
+                      <a:pPr algn="ctr"/>
+                      <a:r>
+                        <a:rPr lang="en-GB" dirty="0"/>
+                        <a:t>Topic</a:t>
+                      </a:r>
+                    </a:p>
+                  </a:txBody>
+                  <a:tcPr/>
+                </a:tc>
+                <a:extLst>
+                  <a:ext uri="{0D108BD9-81ED-4DB2-BD59-A6C34878D82A}">
+                    <a16:rowId xmlns:a16="http://schemas.microsoft.com/office/drawing/2014/main" val="2948165374"/>
+                  </a:ext>
+                </a:extLst>
+              </a:tr>
+              <a:tr h="370840">
+                <a:tc>
+                  <a:txBody>
+                    <a:bodyPr/>
+                    <a:lstStyle/>
+                    <a:p>
+                      <a:pPr algn="ctr"/>
+                      <a:r>
+                        <a:rPr lang="en-GB" dirty="0">
+                          <a:solidFill>
+                            <a:schemeClr val="tx1">
+                              <a:lumMod val="65000"/>
+                              <a:lumOff val="35000"/>
+                            </a:schemeClr>
+                          </a:solidFill>
+                        </a:rPr>
+                        <a:t>5</a:t>
+                      </a:r>
+                    </a:p>
+                  </a:txBody>
+                  <a:tcPr/>
+                </a:tc>
+                <a:tc>
+                  <a:txBody>
+                    <a:bodyPr/>
+                    <a:lstStyle/>
+                    <a:p>
+                      <a:r>
+                        <a:rPr lang="en-GB" dirty="0">
+                          <a:solidFill>
+                            <a:schemeClr val="tx1">
+                              <a:lumMod val="65000"/>
+                              <a:lumOff val="35000"/>
+                            </a:schemeClr>
+                          </a:solidFill>
+                        </a:rPr>
+                        <a:t>Defining yourself: what is your USP?</a:t>
+                      </a:r>
+                    </a:p>
+                  </a:txBody>
+                  <a:tcPr/>
+                </a:tc>
+                <a:extLst>
+                  <a:ext uri="{0D108BD9-81ED-4DB2-BD59-A6C34878D82A}">
+                    <a16:rowId xmlns:a16="http://schemas.microsoft.com/office/drawing/2014/main" val="2288437244"/>
+                  </a:ext>
+                </a:extLst>
+              </a:tr>
+              <a:tr h="370840">
+                <a:tc>
+                  <a:txBody>
+                    <a:bodyPr/>
+                    <a:lstStyle/>
+                    <a:p>
+                      <a:pPr algn="ctr"/>
+                      <a:r>
+                        <a:rPr lang="en-GB" dirty="0">
+                          <a:solidFill>
+                            <a:schemeClr val="tx2"/>
+                          </a:solidFill>
+                        </a:rPr>
+                        <a:t>7</a:t>
+                      </a:r>
+                    </a:p>
+                  </a:txBody>
+                  <a:tcPr/>
+                </a:tc>
+                <a:tc>
+                  <a:txBody>
+                    <a:bodyPr/>
+                    <a:lstStyle/>
+                    <a:p>
+                      <a:r>
+                        <a:rPr lang="en-GB" dirty="0">
+                          <a:solidFill>
+                            <a:schemeClr val="tx2"/>
+                          </a:solidFill>
+                        </a:rPr>
+                        <a:t>Portfolio design and structure</a:t>
+                      </a:r>
+                    </a:p>
+                  </a:txBody>
+                  <a:tcPr/>
+                </a:tc>
+                <a:extLst>
+                  <a:ext uri="{0D108BD9-81ED-4DB2-BD59-A6C34878D82A}">
+                    <a16:rowId xmlns:a16="http://schemas.microsoft.com/office/drawing/2014/main" val="3856649726"/>
+                  </a:ext>
+                </a:extLst>
+              </a:tr>
+              <a:tr h="370840">
+                <a:tc>
+                  <a:txBody>
+                    <a:bodyPr/>
+                    <a:lstStyle/>
+                    <a:p>
+                      <a:pPr algn="ctr"/>
+                      <a:r>
+                        <a:rPr lang="en-GB" dirty="0">
+                          <a:solidFill>
+                            <a:schemeClr val="accent2">
+                              <a:lumMod val="50000"/>
+                            </a:schemeClr>
+                          </a:solidFill>
+                        </a:rPr>
+                        <a:t>8</a:t>
+                      </a:r>
+                    </a:p>
+                  </a:txBody>
+                  <a:tcPr/>
+                </a:tc>
+                <a:tc>
+                  <a:txBody>
+                    <a:bodyPr/>
+                    <a:lstStyle/>
+                    <a:p>
+                      <a:r>
+                        <a:rPr lang="en-GB" dirty="0">
+                          <a:solidFill>
+                            <a:schemeClr val="accent2">
+                              <a:lumMod val="50000"/>
+                            </a:schemeClr>
+                          </a:solidFill>
+                        </a:rPr>
+                        <a:t>Posters peer review</a:t>
+                      </a:r>
+                    </a:p>
+                  </a:txBody>
+                  <a:tcPr/>
+                </a:tc>
+                <a:extLst>
+                  <a:ext uri="{0D108BD9-81ED-4DB2-BD59-A6C34878D82A}">
+                    <a16:rowId xmlns:a16="http://schemas.microsoft.com/office/drawing/2014/main" val="924195455"/>
+                  </a:ext>
+                </a:extLst>
+              </a:tr>
+              <a:tr h="370840">
+                <a:tc>
+                  <a:txBody>
+                    <a:bodyPr/>
+                    <a:lstStyle/>
+                    <a:p>
+                      <a:pPr algn="ctr"/>
+                      <a:r>
+                        <a:rPr lang="en-GB" dirty="0"/>
+                        <a:t>9</a:t>
+                      </a:r>
+                    </a:p>
+                  </a:txBody>
+                  <a:tcPr/>
+                </a:tc>
+                <a:tc>
+                  <a:txBody>
+                    <a:bodyPr/>
+                    <a:lstStyle/>
+                    <a:p>
+                      <a:pPr marL="0" marR="0" lvl="0" indent="0" algn="l" defTabSz="914400" rtl="0" eaLnBrk="1" fontAlgn="auto" latinLnBrk="0" hangingPunct="1">
+                        <a:lnSpc>
+                          <a:spcPct val="100000"/>
+                        </a:lnSpc>
+                        <a:spcBef>
+                          <a:spcPts val="0"/>
+                        </a:spcBef>
+                        <a:spcAft>
+                          <a:spcPts val="0"/>
+                        </a:spcAft>
+                        <a:buClrTx/>
+                        <a:buSzTx/>
+                        <a:buFontTx/>
+                        <a:buNone/>
+                        <a:tabLst/>
+                        <a:defRPr/>
+                      </a:pPr>
+                      <a:r>
+                        <a:rPr lang="en-GB" dirty="0"/>
+                        <a:t>Talking about your work</a:t>
+                      </a:r>
+                    </a:p>
+                  </a:txBody>
+                  <a:tcPr/>
+                </a:tc>
+                <a:extLst>
+                  <a:ext uri="{0D108BD9-81ED-4DB2-BD59-A6C34878D82A}">
+                    <a16:rowId xmlns:a16="http://schemas.microsoft.com/office/drawing/2014/main" val="1162694476"/>
+                  </a:ext>
+                </a:extLst>
+              </a:tr>
+              <a:tr h="370840">
+                <a:tc>
+                  <a:txBody>
+                    <a:bodyPr/>
+                    <a:lstStyle/>
+                    <a:p>
+                      <a:pPr algn="ctr"/>
+                      <a:r>
+                        <a:rPr lang="en-GB" dirty="0"/>
+                        <a:t>10</a:t>
+                      </a:r>
+                    </a:p>
+                  </a:txBody>
+                  <a:tcPr/>
+                </a:tc>
+                <a:tc>
+                  <a:txBody>
+                    <a:bodyPr/>
+                    <a:lstStyle/>
+                    <a:p>
+                      <a:pPr marL="0" marR="0" lvl="0" indent="0" algn="l" defTabSz="914400" rtl="0" eaLnBrk="1" fontAlgn="auto" latinLnBrk="0" hangingPunct="1">
+                        <a:lnSpc>
+                          <a:spcPct val="100000"/>
+                        </a:lnSpc>
+                        <a:spcBef>
+                          <a:spcPts val="0"/>
+                        </a:spcBef>
+                        <a:spcAft>
+                          <a:spcPts val="0"/>
+                        </a:spcAft>
+                        <a:buClrTx/>
+                        <a:buSzTx/>
+                        <a:buFontTx/>
+                        <a:buNone/>
+                        <a:tabLst/>
+                        <a:defRPr/>
+                      </a:pPr>
+                      <a:r>
+                        <a:rPr lang="en-GB" dirty="0"/>
+                        <a:t>Talking about yourself</a:t>
+                      </a:r>
+                    </a:p>
+                  </a:txBody>
+                  <a:tcPr/>
+                </a:tc>
+                <a:extLst>
+                  <a:ext uri="{0D108BD9-81ED-4DB2-BD59-A6C34878D82A}">
+                    <a16:rowId xmlns:a16="http://schemas.microsoft.com/office/drawing/2014/main" val="3806188601"/>
+                  </a:ext>
+                </a:extLst>
+              </a:tr>
+              <a:tr h="370840">
+                <a:tc>
+                  <a:txBody>
+                    <a:bodyPr/>
+                    <a:lstStyle/>
+                    <a:p>
+                      <a:pPr algn="ctr"/>
+                      <a:r>
+                        <a:rPr lang="en-GB" dirty="0"/>
+                        <a:t>11</a:t>
+                      </a:r>
+                    </a:p>
+                  </a:txBody>
+                  <a:tcPr/>
+                </a:tc>
+                <a:tc>
+                  <a:txBody>
+                    <a:bodyPr/>
+                    <a:lstStyle/>
+                    <a:p>
+                      <a:r>
+                        <a:rPr lang="en-GB" dirty="0"/>
+                        <a:t>Online presence: CV/LinkedIn?</a:t>
+                      </a:r>
+                    </a:p>
+                  </a:txBody>
+                  <a:tcPr/>
+                </a:tc>
+                <a:extLst>
+                  <a:ext uri="{0D108BD9-81ED-4DB2-BD59-A6C34878D82A}">
+                    <a16:rowId xmlns:a16="http://schemas.microsoft.com/office/drawing/2014/main" val="3806538259"/>
+                  </a:ext>
+                </a:extLst>
+              </a:tr>
+              <a:tr h="370840">
+                <a:tc>
+                  <a:txBody>
+                    <a:bodyPr/>
+                    <a:lstStyle/>
+                    <a:p>
+                      <a:pPr algn="ctr"/>
+                      <a:r>
+                        <a:rPr lang="en-GB" dirty="0"/>
+                        <a:t>12</a:t>
+                      </a:r>
+                    </a:p>
+                  </a:txBody>
+                  <a:tcPr/>
+                </a:tc>
+                <a:tc>
+                  <a:txBody>
+                    <a:bodyPr/>
+                    <a:lstStyle/>
+                    <a:p>
+                      <a:r>
+                        <a:rPr lang="en-GB" dirty="0"/>
+                        <a:t>Portfolio peer reviews?</a:t>
+                      </a:r>
+                    </a:p>
+                  </a:txBody>
+                  <a:tcPr/>
+                </a:tc>
+                <a:extLst>
+                  <a:ext uri="{0D108BD9-81ED-4DB2-BD59-A6C34878D82A}">
+                    <a16:rowId xmlns:a16="http://schemas.microsoft.com/office/drawing/2014/main" val="1316603823"/>
+                  </a:ext>
+                </a:extLst>
+              </a:tr>
+            </a:tbl>
+          </a:graphicData>
+        </a:graphic>
+      </p:graphicFrame>
     </p:spTree>
     <p:extLst>
       <p:ext uri="{BB962C8B-B14F-4D97-AF65-F5344CB8AC3E}">
-        <p14:creationId xmlns:p14="http://schemas.microsoft.com/office/powerpoint/2010/main" val="2987205183"/>
+        <p14:creationId xmlns:p14="http://schemas.microsoft.com/office/powerpoint/2010/main" val="3995015339"/>
       </p:ext>
     </p:extLst>
   </p:cSld>
   <p:clrMapOvr>
     <a:masterClrMapping/>
   </p:clrMapOvr>
-  <p:timing>
-    <p:tnLst>
-      <p:par>
-        <p:cTn id="1" dur="indefinite" restart="never" nodeType="tmRoot">
-          <p:childTnLst>
-            <p:seq concurrent="1" nextAc="seek">
-              <p:cTn id="2" dur="indefinite" nodeType="mainSeq">
-                <p:childTnLst>
-                  <p:par>
-                    <p:cTn id="3" fill="hold">
-                      <p:stCondLst>
-                        <p:cond delay="indefinite"/>
-                      </p:stCondLst>
-                      <p:childTnLst>
-                        <p:par>
-                          <p:cTn id="4" fill="hold">
-                            <p:stCondLst>
-                              <p:cond delay="0"/>
-                            </p:stCondLst>
-                            <p:childTnLst>
-                              <p:par>
-                                <p:cTn id="5" presetID="1" presetClass="entr" presetSubtype="0" fill="hold" grpId="0" nodeType="clickEffect">
-                                  <p:stCondLst>
-                                    <p:cond delay="0"/>
-                                  </p:stCondLst>
-                                  <p:childTnLst>
-                                    <p:set>
-                                      <p:cBhvr>
-                                        <p:cTn id="6" dur="1" fill="hold">
-                                          <p:stCondLst>
-                                            <p:cond delay="0"/>
-                                          </p:stCondLst>
-                                        </p:cTn>
-                                        <p:tgtEl>
-                                          <p:spTgt spid="3">
-                                            <p:txEl>
-                                              <p:pRg st="1" end="1"/>
-                                            </p:txEl>
-                                          </p:spTgt>
-                                        </p:tgtEl>
-                                        <p:attrNameLst>
-                                          <p:attrName>style.visibility</p:attrName>
-                                        </p:attrNameLst>
-                                      </p:cBhvr>
-                                      <p:to>
-                                        <p:strVal val="visible"/>
-                                      </p:to>
-                                    </p:set>
-                                  </p:childTnLst>
-                                </p:cTn>
-                              </p:par>
-                            </p:childTnLst>
-                          </p:cTn>
-                        </p:par>
-                      </p:childTnLst>
-                    </p:cTn>
-                  </p:par>
-                  <p:par>
-                    <p:cTn id="7" fill="hold">
-                      <p:stCondLst>
-                        <p:cond delay="indefinite"/>
-                      </p:stCondLst>
-                      <p:childTnLst>
-                        <p:par>
-                          <p:cTn id="8" fill="hold">
-                            <p:stCondLst>
-                              <p:cond delay="0"/>
-                            </p:stCondLst>
-                            <p:childTnLst>
-                              <p:par>
-                                <p:cTn id="9" presetID="1" presetClass="entr" presetSubtype="0" fill="hold" grpId="0" nodeType="clickEffect">
-                                  <p:stCondLst>
-                                    <p:cond delay="0"/>
-                                  </p:stCondLst>
-                                  <p:childTnLst>
-                                    <p:set>
-                                      <p:cBhvr>
-                                        <p:cTn id="10" dur="1" fill="hold">
-                                          <p:stCondLst>
-                                            <p:cond delay="0"/>
-                                          </p:stCondLst>
-                                        </p:cTn>
-                                        <p:tgtEl>
-                                          <p:spTgt spid="3">
-                                            <p:txEl>
-                                              <p:pRg st="2" end="2"/>
-                                            </p:txEl>
-                                          </p:spTgt>
-                                        </p:tgtEl>
-                                        <p:attrNameLst>
-                                          <p:attrName>style.visibility</p:attrName>
-                                        </p:attrNameLst>
-                                      </p:cBhvr>
-                                      <p:to>
-                                        <p:strVal val="visible"/>
-                                      </p:to>
-                                    </p:set>
-                                  </p:childTnLst>
-                                </p:cTn>
-                              </p:par>
-                              <p:par>
-                                <p:cTn id="11" presetID="1" presetClass="entr" presetSubtype="0" fill="hold" grpId="0" nodeType="withEffect">
-                                  <p:stCondLst>
-                                    <p:cond delay="0"/>
-                                  </p:stCondLst>
-                                  <p:childTnLst>
-                                    <p:set>
-                                      <p:cBhvr>
-                                        <p:cTn id="12" dur="1" fill="hold">
-                                          <p:stCondLst>
-                                            <p:cond delay="0"/>
-                                          </p:stCondLst>
-                                        </p:cTn>
-                                        <p:tgtEl>
-                                          <p:spTgt spid="3">
-                                            <p:txEl>
-                                              <p:pRg st="3" end="3"/>
-                                            </p:txEl>
-                                          </p:spTgt>
-                                        </p:tgtEl>
-                                        <p:attrNameLst>
-                                          <p:attrName>style.visibility</p:attrName>
-                                        </p:attrNameLst>
-                                      </p:cBhvr>
-                                      <p:to>
-                                        <p:strVal val="visible"/>
-                                      </p:to>
-                                    </p:set>
-                                  </p:childTnLst>
-                                </p:cTn>
-                              </p:par>
-                            </p:childTnLst>
-                          </p:cTn>
-                        </p:par>
-                      </p:childTnLst>
-                    </p:cTn>
-                  </p:par>
-                </p:childTnLst>
-              </p:cTn>
-              <p:prevCondLst>
-                <p:cond evt="onPrev" delay="0">
-                  <p:tgtEl>
-                    <p:sldTgt/>
-                  </p:tgtEl>
-                </p:cond>
-              </p:prevCondLst>
-              <p:nextCondLst>
-                <p:cond evt="onNext" delay="0">
-                  <p:tgtEl>
-                    <p:sldTgt/>
-                  </p:tgtEl>
-                </p:cond>
-              </p:nextCondLst>
-            </p:seq>
-          </p:childTnLst>
-        </p:cTn>
-      </p:par>
-    </p:tnLst>
-    <p:bldLst>
-      <p:bldP spid="3" grpId="0" uiExpand="1" build="p"/>
-    </p:bldLst>
-  </p:timing>
 </p:sld>
 </file>
 
@@ -5698,7 +5607,7 @@
           <p:cNvPr id="2" name="Title 1">
             <a:extLst>
               <a:ext uri="{FF2B5EF4-FFF2-40B4-BE49-F238E27FC236}">
-                <a16:creationId xmlns:a16="http://schemas.microsoft.com/office/drawing/2014/main" id="{CE93B9A9-5430-43CA-A076-1B33A322CAF1}"/>
+                <a16:creationId xmlns:a16="http://schemas.microsoft.com/office/drawing/2014/main" id="{8606862C-94C4-4E9A-B81F-E294D297B49F}"/>
               </a:ext>
             </a:extLst>
           </p:cNvPr>
@@ -5711,14 +5620,12 @@
         </p:nvSpPr>
         <p:spPr/>
         <p:txBody>
-          <a:bodyPr>
-            <a:normAutofit/>
-          </a:bodyPr>
+          <a:bodyPr/>
           <a:lstStyle/>
           <a:p>
             <a:r>
-              <a:rPr lang="en-GB" sz="3600" dirty="0"/>
-              <a:t>Presenting posters</a:t>
+              <a:rPr lang="en-GB" dirty="0"/>
+              <a:t>Poster requirements</a:t>
             </a:r>
           </a:p>
         </p:txBody>
@@ -5728,7 +5635,7 @@
           <p:cNvPr id="3" name="Content Placeholder 2">
             <a:extLst>
               <a:ext uri="{FF2B5EF4-FFF2-40B4-BE49-F238E27FC236}">
-                <a16:creationId xmlns:a16="http://schemas.microsoft.com/office/drawing/2014/main" id="{A8B5FB3A-DBC2-49E7-B8E9-76B44D37034D}"/>
+                <a16:creationId xmlns:a16="http://schemas.microsoft.com/office/drawing/2014/main" id="{D3DA713F-B4FE-47EB-AFED-CD90BD1A6C74}"/>
               </a:ext>
             </a:extLst>
           </p:cNvPr>
@@ -5739,448 +5646,370 @@
             <p:ph idx="1"/>
           </p:nvPr>
         </p:nvSpPr>
+        <p:spPr/>
+        <p:txBody>
+          <a:bodyPr>
+            <a:normAutofit/>
+          </a:bodyPr>
+          <a:lstStyle/>
+          <a:p>
+            <a:r>
+              <a:rPr lang="en-GB" sz="2800" b="1" dirty="0">
+                <a:solidFill>
+                  <a:schemeClr val="accent3">
+                    <a:lumMod val="75000"/>
+                  </a:schemeClr>
+                </a:solidFill>
+              </a:rPr>
+              <a:t>Describe</a:t>
+            </a:r>
+            <a:r>
+              <a:rPr lang="en-GB" sz="2800" dirty="0"/>
+              <a:t> your artefact</a:t>
+            </a:r>
+          </a:p>
+          <a:p>
+            <a:r>
+              <a:rPr lang="en-GB" sz="2800" b="1" dirty="0">
+                <a:solidFill>
+                  <a:schemeClr val="accent3">
+                    <a:lumMod val="75000"/>
+                  </a:schemeClr>
+                </a:solidFill>
+              </a:rPr>
+              <a:t>Illustrate</a:t>
+            </a:r>
+            <a:r>
+              <a:rPr lang="en-GB" sz="2800" dirty="0"/>
+              <a:t> the </a:t>
+            </a:r>
+            <a:r>
+              <a:rPr lang="en-GB" sz="2800" dirty="0">
+                <a:solidFill>
+                  <a:schemeClr val="accent2">
+                    <a:lumMod val="75000"/>
+                  </a:schemeClr>
+                </a:solidFill>
+              </a:rPr>
+              <a:t>architecture</a:t>
+            </a:r>
+            <a:r>
+              <a:rPr lang="en-GB" sz="2800" dirty="0"/>
+              <a:t> of your artefact</a:t>
+            </a:r>
+          </a:p>
+          <a:p>
+            <a:r>
+              <a:rPr lang="en-GB" sz="2800" b="1" dirty="0">
+                <a:solidFill>
+                  <a:schemeClr val="accent3">
+                    <a:lumMod val="75000"/>
+                  </a:schemeClr>
+                </a:solidFill>
+              </a:rPr>
+              <a:t>Justify</a:t>
+            </a:r>
+            <a:r>
+              <a:rPr lang="en-GB" sz="2800" dirty="0"/>
+              <a:t> key </a:t>
+            </a:r>
+            <a:r>
+              <a:rPr lang="en-GB" sz="2800" dirty="0">
+                <a:solidFill>
+                  <a:schemeClr val="accent2">
+                    <a:lumMod val="75000"/>
+                  </a:schemeClr>
+                </a:solidFill>
+              </a:rPr>
+              <a:t>development choices </a:t>
+            </a:r>
+            <a:r>
+              <a:rPr lang="en-GB" sz="2800" dirty="0"/>
+              <a:t>and </a:t>
+            </a:r>
+            <a:r>
+              <a:rPr lang="en-GB" sz="2800" dirty="0">
+                <a:solidFill>
+                  <a:schemeClr val="accent2">
+                    <a:lumMod val="75000"/>
+                  </a:schemeClr>
+                </a:solidFill>
+              </a:rPr>
+              <a:t>design decisions</a:t>
+            </a:r>
+          </a:p>
+          <a:p>
+            <a:r>
+              <a:rPr lang="en-GB" sz="2800" dirty="0"/>
+              <a:t>Don’t forget your </a:t>
+            </a:r>
+            <a:r>
+              <a:rPr lang="en-GB" sz="2800" dirty="0">
+                <a:solidFill>
+                  <a:schemeClr val="accent3">
+                    <a:lumMod val="75000"/>
+                  </a:schemeClr>
+                </a:solidFill>
+              </a:rPr>
+              <a:t>name</a:t>
+            </a:r>
+            <a:r>
+              <a:rPr lang="en-GB" sz="2800" dirty="0"/>
+              <a:t> and </a:t>
+            </a:r>
+            <a:r>
+              <a:rPr lang="en-GB" sz="2800" dirty="0">
+                <a:solidFill>
+                  <a:schemeClr val="accent3">
+                    <a:lumMod val="75000"/>
+                  </a:schemeClr>
+                </a:solidFill>
+              </a:rPr>
+              <a:t>project title</a:t>
+            </a:r>
+            <a:r>
+              <a:rPr lang="en-GB" sz="2800" dirty="0"/>
+              <a:t>!</a:t>
+            </a:r>
+          </a:p>
+          <a:p>
+            <a:r>
+              <a:rPr lang="en-GB" sz="2800" dirty="0"/>
+              <a:t>Format: </a:t>
+            </a:r>
+            <a:r>
+              <a:rPr lang="en-GB" sz="2800" b="1" dirty="0">
+                <a:solidFill>
+                  <a:schemeClr val="accent2">
+                    <a:lumMod val="75000"/>
+                  </a:schemeClr>
+                </a:solidFill>
+              </a:rPr>
+              <a:t>Portrait A3 </a:t>
+            </a:r>
+            <a:r>
+              <a:rPr lang="en-GB" sz="2800" b="1" dirty="0"/>
+              <a:t>PDF</a:t>
+            </a:r>
+            <a:r>
+              <a:rPr lang="en-GB" sz="2800" dirty="0"/>
+              <a:t> document</a:t>
+            </a:r>
+            <a:endParaRPr lang="en-GB" sz="2600" dirty="0"/>
+          </a:p>
+        </p:txBody>
+      </p:sp>
+      <p:sp>
+        <p:nvSpPr>
+          <p:cNvPr id="4" name="Speech Bubble: Rectangle 3">
+            <a:extLst>
+              <a:ext uri="{FF2B5EF4-FFF2-40B4-BE49-F238E27FC236}">
+                <a16:creationId xmlns:a16="http://schemas.microsoft.com/office/drawing/2014/main" id="{A31CD031-9CF2-40A3-844A-B4F9BF68FC69}"/>
+              </a:ext>
+            </a:extLst>
+          </p:cNvPr>
+          <p:cNvSpPr/>
+          <p:nvPr/>
+        </p:nvSpPr>
         <p:spPr>
           <a:xfrm>
-            <a:off x="1066800" y="1864129"/>
-            <a:ext cx="10058400" cy="4112286"/>
+            <a:off x="6414051" y="905256"/>
+            <a:ext cx="4588565" cy="1697328"/>
           </a:xfrm>
+          <a:prstGeom prst="wedgeRectCallout">
+            <a:avLst>
+              <a:gd name="adj1" fmla="val -74431"/>
+              <a:gd name="adj2" fmla="val 61096"/>
+            </a:avLst>
+          </a:prstGeom>
+          <a:solidFill>
+            <a:schemeClr val="accent1">
+              <a:lumMod val="60000"/>
+              <a:lumOff val="40000"/>
+            </a:schemeClr>
+          </a:solidFill>
         </p:spPr>
-        <p:txBody>
-          <a:bodyPr>
-            <a:noAutofit/>
-          </a:bodyPr>
+        <p:style>
+          <a:lnRef idx="2">
+            <a:schemeClr val="accent1">
+              <a:shade val="50000"/>
+            </a:schemeClr>
+          </a:lnRef>
+          <a:fillRef idx="1">
+            <a:schemeClr val="accent1"/>
+          </a:fillRef>
+          <a:effectRef idx="0">
+            <a:schemeClr val="accent1"/>
+          </a:effectRef>
+          <a:fontRef idx="minor">
+            <a:schemeClr val="lt1"/>
+          </a:fontRef>
+        </p:style>
+        <p:txBody>
+          <a:bodyPr rtlCol="0" anchor="ctr"/>
           <a:lstStyle/>
           <a:p>
-            <a:r>
-              <a:rPr lang="en-GB" sz="2400" b="1" dirty="0"/>
-              <a:t>Structure:</a:t>
-            </a:r>
-          </a:p>
-          <a:p>
-            <a:pPr lvl="1"/>
-            <a:r>
-              <a:rPr lang="en-GB" sz="2200" b="1" i="1" dirty="0"/>
-              <a:t>Introduction: </a:t>
-            </a:r>
-            <a:r>
-              <a:rPr lang="en-GB" sz="2200" dirty="0"/>
-              <a:t>“elevator pitch”, to get your audience hooked…</a:t>
-            </a:r>
-            <a:endParaRPr lang="en-GB" sz="2200" b="1" i="1" dirty="0"/>
-          </a:p>
-          <a:p>
-            <a:pPr lvl="2"/>
-            <a:r>
-              <a:rPr lang="en-GB" sz="2000" dirty="0"/>
-              <a:t>What is your artefact, and why is it important/useful?</a:t>
-            </a:r>
-          </a:p>
-          <a:p>
-            <a:pPr lvl="1"/>
-            <a:r>
-              <a:rPr lang="en-GB" sz="2200" b="1" i="1" dirty="0"/>
-              <a:t>Narrative:</a:t>
-            </a:r>
-            <a:endParaRPr lang="en-GB" sz="2000" dirty="0"/>
-          </a:p>
-          <a:p>
-            <a:pPr lvl="2"/>
-            <a:r>
-              <a:rPr lang="en-GB" sz="2000" i="1" dirty="0"/>
-              <a:t>Setting the scene: </a:t>
-            </a:r>
-            <a:r>
-              <a:rPr lang="en-GB" sz="2000" dirty="0"/>
-              <a:t>necessary background information, and how did this lead to the idea for your artefact? Who are the “main characters”?</a:t>
-            </a:r>
-          </a:p>
-          <a:p>
-            <a:pPr lvl="2"/>
-            <a:r>
-              <a:rPr lang="en-GB" sz="2000" i="1" dirty="0"/>
-              <a:t>The adventure:</a:t>
-            </a:r>
-            <a:r>
-              <a:rPr lang="en-GB" sz="2000" dirty="0"/>
-              <a:t> how did you arrive at the design for your artefact, and what did you find on the way? Were there any plot twists?!</a:t>
-            </a:r>
-          </a:p>
-          <a:p>
-            <a:pPr lvl="2"/>
-            <a:r>
-              <a:rPr lang="en-GB" sz="2000" i="1" dirty="0"/>
-              <a:t>The conclusion:</a:t>
-            </a:r>
-            <a:r>
-              <a:rPr lang="en-GB" sz="2000" dirty="0"/>
-              <a:t> where did you end up, and what does it mean for your “characters”? Will there be a sequel?</a:t>
-            </a:r>
-          </a:p>
-          <a:p>
-            <a:pPr marL="0" indent="0">
-              <a:buNone/>
+            <a:pPr marL="342900" indent="-342900">
+              <a:buFont typeface="Arial" panose="020B0604020202020204" pitchFamily="34" charset="0"/>
+              <a:buChar char="•"/>
             </a:pPr>
             <a:r>
-              <a:rPr lang="en-GB" sz="1800" dirty="0"/>
-              <a:t>More info: </a:t>
-            </a:r>
-            <a:r>
-              <a:rPr lang="en-GB" sz="1800" dirty="0">
-                <a:hlinkClick r:id="rId2"/>
+              <a:rPr lang="en-GB" sz="2400" dirty="0">
+                <a:solidFill>
+                  <a:schemeClr val="tx1">
+                    <a:lumMod val="75000"/>
+                    <a:lumOff val="25000"/>
+                  </a:schemeClr>
+                </a:solidFill>
               </a:rPr>
-              <a:t>https://www.scientifica.uk.com/neurowire/tips-for-presenting-your-scientific-poster-at-a-conference</a:t>
-            </a:r>
-            <a:endParaRPr lang="en-GB" sz="1800" dirty="0"/>
+              <a:t>System components, patterns, data structures…</a:t>
+            </a:r>
+          </a:p>
+          <a:p>
+            <a:pPr marL="342900" indent="-342900">
+              <a:buFont typeface="Arial" panose="020B0604020202020204" pitchFamily="34" charset="0"/>
+              <a:buChar char="•"/>
+            </a:pPr>
+            <a:r>
+              <a:rPr lang="en-GB" sz="2400" dirty="0">
+                <a:solidFill>
+                  <a:schemeClr val="tx1">
+                    <a:lumMod val="75000"/>
+                    <a:lumOff val="25000"/>
+                  </a:schemeClr>
+                </a:solidFill>
+              </a:rPr>
+              <a:t>At least one </a:t>
+            </a:r>
+            <a:r>
+              <a:rPr lang="en-GB" sz="2400" b="1" dirty="0">
+                <a:solidFill>
+                  <a:schemeClr val="accent2">
+                    <a:lumMod val="75000"/>
+                  </a:schemeClr>
+                </a:solidFill>
+              </a:rPr>
+              <a:t>UML</a:t>
+            </a:r>
+            <a:r>
+              <a:rPr lang="en-GB" sz="2400" dirty="0">
+                <a:solidFill>
+                  <a:schemeClr val="accent2">
+                    <a:lumMod val="75000"/>
+                  </a:schemeClr>
+                </a:solidFill>
+              </a:rPr>
+              <a:t> </a:t>
+            </a:r>
+            <a:r>
+              <a:rPr lang="en-GB" sz="2400" b="1" dirty="0">
+                <a:solidFill>
+                  <a:schemeClr val="accent2">
+                    <a:lumMod val="75000"/>
+                  </a:schemeClr>
+                </a:solidFill>
+              </a:rPr>
+              <a:t>diagram</a:t>
+            </a:r>
+            <a:r>
+              <a:rPr lang="en-GB" sz="2400" dirty="0">
+                <a:solidFill>
+                  <a:schemeClr val="accent2">
+                    <a:lumMod val="75000"/>
+                  </a:schemeClr>
+                </a:solidFill>
+              </a:rPr>
+              <a:t> </a:t>
+            </a:r>
+            <a:r>
+              <a:rPr lang="en-GB" sz="2400" dirty="0">
+                <a:solidFill>
+                  <a:schemeClr val="tx1">
+                    <a:lumMod val="75000"/>
+                    <a:lumOff val="25000"/>
+                  </a:schemeClr>
+                </a:solidFill>
+              </a:rPr>
+              <a:t>(COMP2x0)</a:t>
+            </a:r>
+          </a:p>
+        </p:txBody>
+      </p:sp>
+      <p:sp>
+        <p:nvSpPr>
+          <p:cNvPr id="5" name="Speech Bubble: Rectangle 4">
+            <a:extLst>
+              <a:ext uri="{FF2B5EF4-FFF2-40B4-BE49-F238E27FC236}">
+                <a16:creationId xmlns:a16="http://schemas.microsoft.com/office/drawing/2014/main" id="{19504757-5DFF-4B81-B4E4-6662B294F6E5}"/>
+              </a:ext>
+            </a:extLst>
+          </p:cNvPr>
+          <p:cNvSpPr/>
+          <p:nvPr/>
+        </p:nvSpPr>
+        <p:spPr>
+          <a:xfrm>
+            <a:off x="8955156" y="4036702"/>
+            <a:ext cx="2419573" cy="885751"/>
+          </a:xfrm>
+          <a:prstGeom prst="wedgeRectCallout">
+            <a:avLst>
+              <a:gd name="adj1" fmla="val -36186"/>
+              <a:gd name="adj2" fmla="val -77477"/>
+            </a:avLst>
+          </a:prstGeom>
+          <a:solidFill>
+            <a:schemeClr val="accent1">
+              <a:lumMod val="60000"/>
+              <a:lumOff val="40000"/>
+            </a:schemeClr>
+          </a:solidFill>
+        </p:spPr>
+        <p:style>
+          <a:lnRef idx="2">
+            <a:schemeClr val="accent1">
+              <a:shade val="50000"/>
+            </a:schemeClr>
+          </a:lnRef>
+          <a:fillRef idx="1">
+            <a:schemeClr val="accent1"/>
+          </a:fillRef>
+          <a:effectRef idx="0">
+            <a:schemeClr val="accent1"/>
+          </a:effectRef>
+          <a:fontRef idx="minor">
+            <a:schemeClr val="lt1"/>
+          </a:fontRef>
+        </p:style>
+        <p:txBody>
+          <a:bodyPr rtlCol="0" anchor="ctr"/>
+          <a:lstStyle/>
+          <a:p>
+            <a:pPr algn="ctr"/>
+            <a:r>
+              <a:rPr lang="en-GB" sz="2400" dirty="0">
+                <a:solidFill>
+                  <a:schemeClr val="tx1">
+                    <a:lumMod val="75000"/>
+                    <a:lumOff val="25000"/>
+                  </a:schemeClr>
+                </a:solidFill>
+              </a:rPr>
+              <a:t>Analyse merits and flaws</a:t>
+            </a:r>
           </a:p>
         </p:txBody>
       </p:sp>
     </p:spTree>
     <p:extLst>
       <p:ext uri="{BB962C8B-B14F-4D97-AF65-F5344CB8AC3E}">
-        <p14:creationId xmlns:p14="http://schemas.microsoft.com/office/powerpoint/2010/main" val="1577481356"/>
+        <p14:creationId xmlns:p14="http://schemas.microsoft.com/office/powerpoint/2010/main" val="2942869115"/>
       </p:ext>
     </p:extLst>
   </p:cSld>
   <p:clrMapOvr>
     <a:masterClrMapping/>
   </p:clrMapOvr>
-  <p:timing>
-    <p:tnLst>
-      <p:par>
-        <p:cTn id="1" dur="indefinite" restart="never" nodeType="tmRoot">
-          <p:childTnLst>
-            <p:seq concurrent="1" nextAc="seek">
-              <p:cTn id="2" dur="indefinite" nodeType="mainSeq">
-                <p:childTnLst>
-                  <p:par>
-                    <p:cTn id="3" fill="hold">
-                      <p:stCondLst>
-                        <p:cond delay="indefinite"/>
-                      </p:stCondLst>
-                      <p:childTnLst>
-                        <p:par>
-                          <p:cTn id="4" fill="hold">
-                            <p:stCondLst>
-                              <p:cond delay="0"/>
-                            </p:stCondLst>
-                            <p:childTnLst>
-                              <p:par>
-                                <p:cTn id="5" presetID="1" presetClass="entr" presetSubtype="0" fill="hold" nodeType="clickEffect">
-                                  <p:stCondLst>
-                                    <p:cond delay="0"/>
-                                  </p:stCondLst>
-                                  <p:childTnLst>
-                                    <p:set>
-                                      <p:cBhvr>
-                                        <p:cTn id="6" dur="1" fill="hold">
-                                          <p:stCondLst>
-                                            <p:cond delay="0"/>
-                                          </p:stCondLst>
-                                        </p:cTn>
-                                        <p:tgtEl>
-                                          <p:spTgt spid="3">
-                                            <p:txEl>
-                                              <p:pRg st="1" end="1"/>
-                                            </p:txEl>
-                                          </p:spTgt>
-                                        </p:tgtEl>
-                                        <p:attrNameLst>
-                                          <p:attrName>style.visibility</p:attrName>
-                                        </p:attrNameLst>
-                                      </p:cBhvr>
-                                      <p:to>
-                                        <p:strVal val="visible"/>
-                                      </p:to>
-                                    </p:set>
-                                  </p:childTnLst>
-                                </p:cTn>
-                              </p:par>
-                              <p:par>
-                                <p:cTn id="7" presetID="1" presetClass="entr" presetSubtype="0" fill="hold" nodeType="withEffect">
-                                  <p:stCondLst>
-                                    <p:cond delay="0"/>
-                                  </p:stCondLst>
-                                  <p:childTnLst>
-                                    <p:set>
-                                      <p:cBhvr>
-                                        <p:cTn id="8" dur="1" fill="hold">
-                                          <p:stCondLst>
-                                            <p:cond delay="0"/>
-                                          </p:stCondLst>
-                                        </p:cTn>
-                                        <p:tgtEl>
-                                          <p:spTgt spid="3">
-                                            <p:txEl>
-                                              <p:pRg st="2" end="2"/>
-                                            </p:txEl>
-                                          </p:spTgt>
-                                        </p:tgtEl>
-                                        <p:attrNameLst>
-                                          <p:attrName>style.visibility</p:attrName>
-                                        </p:attrNameLst>
-                                      </p:cBhvr>
-                                      <p:to>
-                                        <p:strVal val="visible"/>
-                                      </p:to>
-                                    </p:set>
-                                  </p:childTnLst>
-                                </p:cTn>
-                              </p:par>
-                            </p:childTnLst>
-                          </p:cTn>
-                        </p:par>
-                      </p:childTnLst>
-                    </p:cTn>
-                  </p:par>
-                  <p:par>
-                    <p:cTn id="9" fill="hold">
-                      <p:stCondLst>
-                        <p:cond delay="indefinite"/>
-                      </p:stCondLst>
-                      <p:childTnLst>
-                        <p:par>
-                          <p:cTn id="10" fill="hold">
-                            <p:stCondLst>
-                              <p:cond delay="0"/>
-                            </p:stCondLst>
-                            <p:childTnLst>
-                              <p:par>
-                                <p:cTn id="11" presetID="1" presetClass="entr" presetSubtype="0" fill="hold" nodeType="clickEffect">
-                                  <p:stCondLst>
-                                    <p:cond delay="0"/>
-                                  </p:stCondLst>
-                                  <p:childTnLst>
-                                    <p:set>
-                                      <p:cBhvr>
-                                        <p:cTn id="12" dur="1" fill="hold">
-                                          <p:stCondLst>
-                                            <p:cond delay="0"/>
-                                          </p:stCondLst>
-                                        </p:cTn>
-                                        <p:tgtEl>
-                                          <p:spTgt spid="3">
-                                            <p:txEl>
-                                              <p:pRg st="3" end="3"/>
-                                            </p:txEl>
-                                          </p:spTgt>
-                                        </p:tgtEl>
-                                        <p:attrNameLst>
-                                          <p:attrName>style.visibility</p:attrName>
-                                        </p:attrNameLst>
-                                      </p:cBhvr>
-                                      <p:to>
-                                        <p:strVal val="visible"/>
-                                      </p:to>
-                                    </p:set>
-                                  </p:childTnLst>
-                                </p:cTn>
-                              </p:par>
-                              <p:par>
-                                <p:cTn id="13" presetID="1" presetClass="entr" presetSubtype="0" fill="hold" nodeType="withEffect">
-                                  <p:stCondLst>
-                                    <p:cond delay="0"/>
-                                  </p:stCondLst>
-                                  <p:childTnLst>
-                                    <p:set>
-                                      <p:cBhvr>
-                                        <p:cTn id="14" dur="1" fill="hold">
-                                          <p:stCondLst>
-                                            <p:cond delay="0"/>
-                                          </p:stCondLst>
-                                        </p:cTn>
-                                        <p:tgtEl>
-                                          <p:spTgt spid="3">
-                                            <p:txEl>
-                                              <p:pRg st="4" end="4"/>
-                                            </p:txEl>
-                                          </p:spTgt>
-                                        </p:tgtEl>
-                                        <p:attrNameLst>
-                                          <p:attrName>style.visibility</p:attrName>
-                                        </p:attrNameLst>
-                                      </p:cBhvr>
-                                      <p:to>
-                                        <p:strVal val="visible"/>
-                                      </p:to>
-                                    </p:set>
-                                  </p:childTnLst>
-                                </p:cTn>
-                              </p:par>
-                            </p:childTnLst>
-                          </p:cTn>
-                        </p:par>
-                      </p:childTnLst>
-                    </p:cTn>
-                  </p:par>
-                  <p:par>
-                    <p:cTn id="15" fill="hold">
-                      <p:stCondLst>
-                        <p:cond delay="indefinite"/>
-                      </p:stCondLst>
-                      <p:childTnLst>
-                        <p:par>
-                          <p:cTn id="16" fill="hold">
-                            <p:stCondLst>
-                              <p:cond delay="0"/>
-                            </p:stCondLst>
-                            <p:childTnLst>
-                              <p:par>
-                                <p:cTn id="17" presetID="1" presetClass="entr" presetSubtype="0" fill="hold" nodeType="clickEffect">
-                                  <p:stCondLst>
-                                    <p:cond delay="0"/>
-                                  </p:stCondLst>
-                                  <p:childTnLst>
-                                    <p:set>
-                                      <p:cBhvr>
-                                        <p:cTn id="18" dur="1" fill="hold">
-                                          <p:stCondLst>
-                                            <p:cond delay="0"/>
-                                          </p:stCondLst>
-                                        </p:cTn>
-                                        <p:tgtEl>
-                                          <p:spTgt spid="3">
-                                            <p:txEl>
-                                              <p:pRg st="5" end="5"/>
-                                            </p:txEl>
-                                          </p:spTgt>
-                                        </p:tgtEl>
-                                        <p:attrNameLst>
-                                          <p:attrName>style.visibility</p:attrName>
-                                        </p:attrNameLst>
-                                      </p:cBhvr>
-                                      <p:to>
-                                        <p:strVal val="visible"/>
-                                      </p:to>
-                                    </p:set>
-                                  </p:childTnLst>
-                                </p:cTn>
-                              </p:par>
-                            </p:childTnLst>
-                          </p:cTn>
-                        </p:par>
-                      </p:childTnLst>
-                    </p:cTn>
-                  </p:par>
-                  <p:par>
-                    <p:cTn id="19" fill="hold">
-                      <p:stCondLst>
-                        <p:cond delay="indefinite"/>
-                      </p:stCondLst>
-                      <p:childTnLst>
-                        <p:par>
-                          <p:cTn id="20" fill="hold">
-                            <p:stCondLst>
-                              <p:cond delay="0"/>
-                            </p:stCondLst>
-                            <p:childTnLst>
-                              <p:par>
-                                <p:cTn id="21" presetID="1" presetClass="entr" presetSubtype="0" fill="hold" nodeType="clickEffect">
-                                  <p:stCondLst>
-                                    <p:cond delay="0"/>
-                                  </p:stCondLst>
-                                  <p:childTnLst>
-                                    <p:set>
-                                      <p:cBhvr>
-                                        <p:cTn id="22" dur="1" fill="hold">
-                                          <p:stCondLst>
-                                            <p:cond delay="0"/>
-                                          </p:stCondLst>
-                                        </p:cTn>
-                                        <p:tgtEl>
-                                          <p:spTgt spid="3">
-                                            <p:txEl>
-                                              <p:pRg st="6" end="6"/>
-                                            </p:txEl>
-                                          </p:spTgt>
-                                        </p:tgtEl>
-                                        <p:attrNameLst>
-                                          <p:attrName>style.visibility</p:attrName>
-                                        </p:attrNameLst>
-                                      </p:cBhvr>
-                                      <p:to>
-                                        <p:strVal val="visible"/>
-                                      </p:to>
-                                    </p:set>
-                                  </p:childTnLst>
-                                </p:cTn>
-                              </p:par>
-                            </p:childTnLst>
-                          </p:cTn>
-                        </p:par>
-                      </p:childTnLst>
-                    </p:cTn>
-                  </p:par>
-                  <p:par>
-                    <p:cTn id="23" fill="hold">
-                      <p:stCondLst>
-                        <p:cond delay="indefinite"/>
-                      </p:stCondLst>
-                      <p:childTnLst>
-                        <p:par>
-                          <p:cTn id="24" fill="hold">
-                            <p:stCondLst>
-                              <p:cond delay="0"/>
-                            </p:stCondLst>
-                            <p:childTnLst>
-                              <p:par>
-                                <p:cTn id="25" presetID="1" presetClass="entr" presetSubtype="0" fill="hold" nodeType="clickEffect">
-                                  <p:stCondLst>
-                                    <p:cond delay="0"/>
-                                  </p:stCondLst>
-                                  <p:childTnLst>
-                                    <p:set>
-                                      <p:cBhvr>
-                                        <p:cTn id="26" dur="1" fill="hold">
-                                          <p:stCondLst>
-                                            <p:cond delay="0"/>
-                                          </p:stCondLst>
-                                        </p:cTn>
-                                        <p:tgtEl>
-                                          <p:spTgt spid="3">
-                                            <p:txEl>
-                                              <p:pRg st="7" end="7"/>
-                                            </p:txEl>
-                                          </p:spTgt>
-                                        </p:tgtEl>
-                                        <p:attrNameLst>
-                                          <p:attrName>style.visibility</p:attrName>
-                                        </p:attrNameLst>
-                                      </p:cBhvr>
-                                      <p:to>
-                                        <p:strVal val="visible"/>
-                                      </p:to>
-                                    </p:set>
-                                  </p:childTnLst>
-                                </p:cTn>
-                              </p:par>
-                            </p:childTnLst>
-                          </p:cTn>
-                        </p:par>
-                      </p:childTnLst>
-                    </p:cTn>
-                  </p:par>
-                </p:childTnLst>
-              </p:cTn>
-              <p:prevCondLst>
-                <p:cond evt="onPrev" delay="0">
-                  <p:tgtEl>
-                    <p:sldTgt/>
-                  </p:tgtEl>
-                </p:cond>
-              </p:prevCondLst>
-              <p:nextCondLst>
-                <p:cond evt="onNext" delay="0">
-                  <p:tgtEl>
-                    <p:sldTgt/>
-                  </p:tgtEl>
-                </p:cond>
-              </p:nextCondLst>
-            </p:seq>
-          </p:childTnLst>
-        </p:cTn>
-      </p:par>
-    </p:tnLst>
-  </p:timing>
 </p:sld>
 </file>
 
@@ -6219,12 +6048,14 @@
         </p:nvSpPr>
         <p:spPr/>
         <p:txBody>
-          <a:bodyPr/>
+          <a:bodyPr>
+            <a:normAutofit/>
+          </a:bodyPr>
           <a:lstStyle/>
           <a:p>
             <a:r>
               <a:rPr lang="en-GB" dirty="0"/>
-              <a:t>Suggested activities</a:t>
+              <a:t>Poster layout</a:t>
             </a:r>
           </a:p>
         </p:txBody>
@@ -6248,7 +6079,7 @@
         <p:spPr>
           <a:xfrm>
             <a:off x="1066800" y="1864129"/>
-            <a:ext cx="10058400" cy="4112286"/>
+            <a:ext cx="5853024" cy="4112286"/>
           </a:xfrm>
         </p:spPr>
         <p:txBody>
@@ -6257,96 +6088,80 @@
           </a:bodyPr>
           <a:lstStyle/>
           <a:p>
-            <a:pPr marL="514350" indent="-514350">
-              <a:buFont typeface="+mj-lt"/>
-              <a:buAutoNum type="arabicPeriod"/>
-            </a:pPr>
-            <a:r>
-              <a:rPr lang="en-GB" sz="2400" dirty="0"/>
-              <a:t>Prepare an outline for your elevator pitch and poster “story”, and practice presenting it to your neighbour (or me)</a:t>
-            </a:r>
-          </a:p>
-          <a:p>
-            <a:pPr marL="514350" indent="-514350">
-              <a:buFont typeface="+mj-lt"/>
-              <a:buAutoNum type="arabicPeriod"/>
-            </a:pPr>
-            <a:r>
-              <a:rPr lang="en-GB" sz="2400" dirty="0"/>
-              <a:t>Continue work on your poster (see week 5 slides for tips).</a:t>
-            </a:r>
-          </a:p>
-          <a:p>
-            <a:pPr marL="514350" indent="-514350">
-              <a:buFont typeface="+mj-lt"/>
-              <a:buAutoNum type="arabicPeriod"/>
-            </a:pPr>
-            <a:r>
-              <a:rPr lang="en-GB" sz="2400" dirty="0"/>
-              <a:t>Continue work on your report (see week 7 slides for tips).</a:t>
-            </a:r>
-          </a:p>
-          <a:p>
-            <a:pPr marL="514350" indent="-514350">
-              <a:buFont typeface="+mj-lt"/>
-              <a:buAutoNum type="arabicPeriod"/>
-            </a:pPr>
-            <a:r>
-              <a:rPr lang="en-GB" sz="2400" dirty="0"/>
-              <a:t>Continue work on your artefact.</a:t>
-            </a:r>
-          </a:p>
-          <a:p>
-            <a:pPr marL="514350" indent="-514350">
-              <a:buFont typeface="+mj-lt"/>
-              <a:buAutoNum type="arabicPeriod"/>
-            </a:pPr>
-            <a:endParaRPr lang="en-GB" sz="800" b="1" dirty="0"/>
-          </a:p>
-          <a:p>
             <a:pPr marL="0" indent="0">
               <a:buNone/>
             </a:pPr>
             <a:r>
-              <a:rPr lang="en-GB" sz="1800" dirty="0"/>
-              <a:t>Find these slides online at:</a:t>
-            </a:r>
-          </a:p>
-          <a:p>
-            <a:pPr marL="0" indent="0">
-              <a:buNone/>
-            </a:pPr>
-            <a:r>
-              <a:rPr lang="en-GB" sz="1800" dirty="0">
+              <a:rPr lang="en-GB" sz="2600" b="1" dirty="0"/>
+              <a:t>Style/layout</a:t>
+            </a:r>
+            <a:r>
+              <a:rPr lang="en-GB" sz="2600" dirty="0"/>
+              <a:t>: </a:t>
+            </a:r>
+            <a:r>
+              <a:rPr lang="en-GB" sz="2600" dirty="0">
+                <a:solidFill>
+                  <a:schemeClr val="accent3">
+                    <a:lumMod val="75000"/>
+                  </a:schemeClr>
+                </a:solidFill>
+              </a:rPr>
+              <a:t>simple</a:t>
+            </a:r>
+            <a:r>
+              <a:rPr lang="en-GB" sz="2600" dirty="0"/>
+              <a:t>, clear, readable – concentrate on </a:t>
+            </a:r>
+            <a:r>
+              <a:rPr lang="en-GB" sz="2600" dirty="0">
+                <a:solidFill>
+                  <a:schemeClr val="accent2">
+                    <a:lumMod val="75000"/>
+                  </a:schemeClr>
+                </a:solidFill>
+              </a:rPr>
+              <a:t>key details</a:t>
+            </a:r>
+            <a:r>
+              <a:rPr lang="en-GB" sz="2600" dirty="0"/>
+              <a:t> and favour </a:t>
+            </a:r>
+            <a:r>
+              <a:rPr lang="en-GB" sz="2600" dirty="0">
+                <a:solidFill>
+                  <a:schemeClr val="accent3">
+                    <a:lumMod val="75000"/>
+                  </a:schemeClr>
+                </a:solidFill>
+              </a:rPr>
+              <a:t>images</a:t>
+            </a:r>
+            <a:r>
+              <a:rPr lang="en-GB" sz="2600" dirty="0"/>
+              <a:t> over text.</a:t>
+            </a:r>
+          </a:p>
+          <a:p>
+            <a:r>
+              <a:rPr lang="en-GB" sz="2400" dirty="0"/>
+              <a:t>More info/guidelines:</a:t>
+            </a:r>
+            <a:r>
+              <a:rPr lang="en-GB" sz="2400" dirty="0">
                 <a:solidFill>
                   <a:srgbClr val="00B0F0"/>
                 </a:solidFill>
-                <a:hlinkClick r:id="rId2">
-                  <a:extLst>
-                    <a:ext uri="{A12FA001-AC4F-418D-AE19-62706E023703}">
-                      <ahyp:hlinkClr xmlns:ahyp="http://schemas.microsoft.com/office/drawing/2018/hyperlinkcolor" val="tx"/>
-                    </a:ext>
-                  </a:extLst>
-                </a:hlinkClick>
               </a:rPr>
-              <a:t>https://github.com/Falmouth-Games-Academy/</a:t>
-            </a:r>
-            <a:r>
-              <a:rPr lang="en-GB" sz="1800" b="1" dirty="0">
-                <a:solidFill>
-                  <a:srgbClr val="00B0F0"/>
-                </a:solidFill>
-                <a:hlinkClick r:id="rId2">
-                  <a:extLst>
-                    <a:ext uri="{A12FA001-AC4F-418D-AE19-62706E023703}">
-                      <ahyp:hlinkClr xmlns:ahyp="http://schemas.microsoft.com/office/drawing/2018/hyperlinkcolor" val="tx"/>
-                    </a:ext>
-                  </a:extLst>
-                </a:hlinkClick>
+              <a:t> </a:t>
+            </a:r>
+            <a:r>
+              <a:rPr lang="en-GB" sz="1800" dirty="0">
+                <a:hlinkClick r:id="rId2"/>
               </a:rPr>
-              <a:t>COMP2x0-workshop-slides</a:t>
-            </a:r>
-            <a:endParaRPr lang="en-GB" sz="1800" b="1" dirty="0">
+              <a:t>https://www.makesigns.com/tutorials</a:t>
+            </a:r>
+            <a:endParaRPr lang="en-GB" sz="2400" dirty="0">
               <a:solidFill>
                 <a:srgbClr val="00B0F0"/>
               </a:solidFill>
@@ -6354,222 +6169,1223 @@
           </a:p>
         </p:txBody>
       </p:sp>
+      <p:grpSp>
+        <p:nvGrpSpPr>
+          <p:cNvPr id="4" name="Group 3">
+            <a:extLst>
+              <a:ext uri="{FF2B5EF4-FFF2-40B4-BE49-F238E27FC236}">
+                <a16:creationId xmlns:a16="http://schemas.microsoft.com/office/drawing/2014/main" id="{E8AB03B7-0F7D-4ED3-B10A-0E66DE48AF9F}"/>
+              </a:ext>
+              <a:ext uri="{C183D7F6-B498-43B3-948B-1728B52AA6E4}">
+                <adec:decorative xmlns:adec="http://schemas.microsoft.com/office/drawing/2017/decorative" val="1"/>
+              </a:ext>
+            </a:extLst>
+          </p:cNvPr>
+          <p:cNvGrpSpPr>
+            <a:grpSpLocks noChangeAspect="1"/>
+          </p:cNvGrpSpPr>
+          <p:nvPr/>
+        </p:nvGrpSpPr>
+        <p:grpSpPr>
+          <a:xfrm>
+            <a:off x="7056427" y="522733"/>
+            <a:ext cx="4068773" cy="5812533"/>
+            <a:chOff x="1187624" y="2636912"/>
+            <a:chExt cx="3888432" cy="2736304"/>
+          </a:xfrm>
+        </p:grpSpPr>
+        <p:sp>
+          <p:nvSpPr>
+            <p:cNvPr id="5" name="Rectangle 4">
+              <a:extLst>
+                <a:ext uri="{FF2B5EF4-FFF2-40B4-BE49-F238E27FC236}">
+                  <a16:creationId xmlns:a16="http://schemas.microsoft.com/office/drawing/2014/main" id="{49645C99-0C0E-4673-A0C2-098229179DE2}"/>
+                </a:ext>
+              </a:extLst>
+            </p:cNvPr>
+            <p:cNvSpPr/>
+            <p:nvPr/>
+          </p:nvSpPr>
+          <p:spPr>
+            <a:xfrm>
+              <a:off x="1187624" y="2636912"/>
+              <a:ext cx="3888432" cy="2736304"/>
+            </a:xfrm>
+            <a:prstGeom prst="rect">
+              <a:avLst/>
+            </a:prstGeom>
+            <a:solidFill>
+              <a:schemeClr val="bg1"/>
+            </a:solidFill>
+          </p:spPr>
+          <p:style>
+            <a:lnRef idx="2">
+              <a:schemeClr val="accent1">
+                <a:shade val="50000"/>
+              </a:schemeClr>
+            </a:lnRef>
+            <a:fillRef idx="1">
+              <a:schemeClr val="accent1"/>
+            </a:fillRef>
+            <a:effectRef idx="0">
+              <a:schemeClr val="accent1"/>
+            </a:effectRef>
+            <a:fontRef idx="minor">
+              <a:schemeClr val="lt1"/>
+            </a:fontRef>
+          </p:style>
+          <p:txBody>
+            <a:bodyPr rtlCol="0" anchor="ctr"/>
+            <a:lstStyle/>
+            <a:p>
+              <a:pPr algn="ctr"/>
+              <a:endParaRPr lang="en-GB"/>
+            </a:p>
+          </p:txBody>
+        </p:sp>
+        <p:grpSp>
+          <p:nvGrpSpPr>
+            <p:cNvPr id="6" name="Google Shape;54;p13">
+              <a:extLst>
+                <a:ext uri="{FF2B5EF4-FFF2-40B4-BE49-F238E27FC236}">
+                  <a16:creationId xmlns:a16="http://schemas.microsoft.com/office/drawing/2014/main" id="{99E84B9C-1753-472B-9950-17CC27FE2979}"/>
+                </a:ext>
+              </a:extLst>
+            </p:cNvPr>
+            <p:cNvGrpSpPr>
+              <a:grpSpLocks noChangeAspect="1"/>
+            </p:cNvGrpSpPr>
+            <p:nvPr/>
+          </p:nvGrpSpPr>
+          <p:grpSpPr>
+            <a:xfrm>
+              <a:off x="1259632" y="2708920"/>
+              <a:ext cx="3723975" cy="2582400"/>
+              <a:chOff x="66750" y="157025"/>
+              <a:chExt cx="7447950" cy="10329600"/>
+            </a:xfrm>
+          </p:grpSpPr>
+          <p:sp>
+            <p:nvSpPr>
+              <p:cNvPr id="7" name="Google Shape;55;p13">
+                <a:extLst>
+                  <a:ext uri="{FF2B5EF4-FFF2-40B4-BE49-F238E27FC236}">
+                    <a16:creationId xmlns:a16="http://schemas.microsoft.com/office/drawing/2014/main" id="{314E0DF5-1C4E-42EC-96D7-3DC59995F46F}"/>
+                  </a:ext>
+                </a:extLst>
+              </p:cNvPr>
+              <p:cNvSpPr/>
+              <p:nvPr/>
+            </p:nvSpPr>
+            <p:spPr>
+              <a:xfrm>
+                <a:off x="66750" y="159725"/>
+                <a:ext cx="5493900" cy="1033200"/>
+              </a:xfrm>
+              <a:prstGeom prst="roundRect">
+                <a:avLst>
+                  <a:gd name="adj" fmla="val 16667"/>
+                </a:avLst>
+              </a:prstGeom>
+              <a:solidFill>
+                <a:srgbClr val="D5A6BD"/>
+              </a:solidFill>
+              <a:ln w="9525" cap="flat" cmpd="sng">
+                <a:solidFill>
+                  <a:schemeClr val="dk2"/>
+                </a:solidFill>
+                <a:prstDash val="solid"/>
+                <a:round/>
+                <a:headEnd type="none" w="sm" len="sm"/>
+                <a:tailEnd type="none" w="sm" len="sm"/>
+              </a:ln>
+            </p:spPr>
+            <p:txBody>
+              <a:bodyPr spcFirstLastPara="1" wrap="square" lIns="91425" tIns="91425" rIns="91425" bIns="91425" anchor="ctr" anchorCtr="0">
+                <a:noAutofit/>
+              </a:bodyPr>
+              <a:lstStyle/>
+              <a:p>
+                <a:pPr marL="0" lvl="0" indent="0" algn="ctr" rtl="0">
+                  <a:spcBef>
+                    <a:spcPts val="0"/>
+                  </a:spcBef>
+                  <a:spcAft>
+                    <a:spcPts val="0"/>
+                  </a:spcAft>
+                  <a:buNone/>
+                </a:pPr>
+                <a:r>
+                  <a:rPr lang="en" sz="1200" b="1">
+                    <a:latin typeface="Calibri"/>
+                    <a:ea typeface="Calibri"/>
+                    <a:cs typeface="Calibri"/>
+                    <a:sym typeface="Calibri"/>
+                  </a:rPr>
+                  <a:t>TITLE</a:t>
+                </a:r>
+                <a:endParaRPr sz="1200" b="1">
+                  <a:latin typeface="Calibri"/>
+                  <a:ea typeface="Calibri"/>
+                  <a:cs typeface="Calibri"/>
+                  <a:sym typeface="Calibri"/>
+                </a:endParaRPr>
+              </a:p>
+            </p:txBody>
+          </p:sp>
+          <p:sp>
+            <p:nvSpPr>
+              <p:cNvPr id="8" name="Google Shape;56;p13">
+                <a:extLst>
+                  <a:ext uri="{FF2B5EF4-FFF2-40B4-BE49-F238E27FC236}">
+                    <a16:creationId xmlns:a16="http://schemas.microsoft.com/office/drawing/2014/main" id="{B9EC7801-3F3A-47BC-B8A2-2AA18896F871}"/>
+                  </a:ext>
+                </a:extLst>
+              </p:cNvPr>
+              <p:cNvSpPr/>
+              <p:nvPr/>
+            </p:nvSpPr>
+            <p:spPr>
+              <a:xfrm>
+                <a:off x="76200" y="1376225"/>
+                <a:ext cx="3649500" cy="1033200"/>
+              </a:xfrm>
+              <a:prstGeom prst="roundRect">
+                <a:avLst>
+                  <a:gd name="adj" fmla="val 16667"/>
+                </a:avLst>
+              </a:prstGeom>
+              <a:solidFill>
+                <a:srgbClr val="D9EAD3"/>
+              </a:solidFill>
+              <a:ln w="9525" cap="flat" cmpd="sng">
+                <a:solidFill>
+                  <a:schemeClr val="dk2"/>
+                </a:solidFill>
+                <a:prstDash val="solid"/>
+                <a:round/>
+                <a:headEnd type="none" w="sm" len="sm"/>
+                <a:tailEnd type="none" w="sm" len="sm"/>
+              </a:ln>
+            </p:spPr>
+            <p:txBody>
+              <a:bodyPr spcFirstLastPara="1" wrap="square" lIns="91425" tIns="91425" rIns="91425" bIns="91425" anchor="ctr" anchorCtr="0">
+                <a:noAutofit/>
+              </a:bodyPr>
+              <a:lstStyle/>
+              <a:p>
+                <a:pPr marL="0" lvl="0" indent="0" algn="ctr" rtl="0">
+                  <a:spcBef>
+                    <a:spcPts val="0"/>
+                  </a:spcBef>
+                  <a:spcAft>
+                    <a:spcPts val="0"/>
+                  </a:spcAft>
+                  <a:buNone/>
+                </a:pPr>
+                <a:r>
+                  <a:rPr lang="en" sz="1200" b="1">
+                    <a:latin typeface="Calibri"/>
+                    <a:ea typeface="Calibri"/>
+                    <a:cs typeface="Calibri"/>
+                    <a:sym typeface="Calibri"/>
+                  </a:rPr>
+                  <a:t>WHAT IS THE PROBLEM</a:t>
+                </a:r>
+                <a:endParaRPr sz="1200" b="1">
+                  <a:latin typeface="Calibri"/>
+                  <a:ea typeface="Calibri"/>
+                  <a:cs typeface="Calibri"/>
+                  <a:sym typeface="Calibri"/>
+                </a:endParaRPr>
+              </a:p>
+            </p:txBody>
+          </p:sp>
+          <p:sp>
+            <p:nvSpPr>
+              <p:cNvPr id="9" name="Google Shape;57;p13">
+                <a:extLst>
+                  <a:ext uri="{FF2B5EF4-FFF2-40B4-BE49-F238E27FC236}">
+                    <a16:creationId xmlns:a16="http://schemas.microsoft.com/office/drawing/2014/main" id="{A25D7CEE-ACAF-4E1E-9E01-F0273D1C9497}"/>
+                  </a:ext>
+                </a:extLst>
+              </p:cNvPr>
+              <p:cNvSpPr/>
+              <p:nvPr/>
+            </p:nvSpPr>
+            <p:spPr>
+              <a:xfrm>
+                <a:off x="3789000" y="1376225"/>
+                <a:ext cx="3649500" cy="1033200"/>
+              </a:xfrm>
+              <a:prstGeom prst="roundRect">
+                <a:avLst>
+                  <a:gd name="adj" fmla="val 16667"/>
+                </a:avLst>
+              </a:prstGeom>
+              <a:solidFill>
+                <a:srgbClr val="D9EAD3"/>
+              </a:solidFill>
+              <a:ln w="9525" cap="flat" cmpd="sng">
+                <a:solidFill>
+                  <a:schemeClr val="dk2"/>
+                </a:solidFill>
+                <a:prstDash val="solid"/>
+                <a:round/>
+                <a:headEnd type="none" w="sm" len="sm"/>
+                <a:tailEnd type="none" w="sm" len="sm"/>
+              </a:ln>
+            </p:spPr>
+            <p:txBody>
+              <a:bodyPr spcFirstLastPara="1" wrap="square" lIns="91425" tIns="91425" rIns="91425" bIns="91425" anchor="ctr" anchorCtr="0">
+                <a:noAutofit/>
+              </a:bodyPr>
+              <a:lstStyle/>
+              <a:p>
+                <a:pPr marL="0" lvl="0" indent="0" algn="ctr" rtl="0">
+                  <a:spcBef>
+                    <a:spcPts val="0"/>
+                  </a:spcBef>
+                  <a:spcAft>
+                    <a:spcPts val="0"/>
+                  </a:spcAft>
+                  <a:buNone/>
+                </a:pPr>
+                <a:r>
+                  <a:rPr lang="en" sz="1200" b="1">
+                    <a:latin typeface="Calibri"/>
+                    <a:ea typeface="Calibri"/>
+                    <a:cs typeface="Calibri"/>
+                    <a:sym typeface="Calibri"/>
+                  </a:rPr>
+                  <a:t>WHY IS IT AN ISSUE</a:t>
+                </a:r>
+                <a:endParaRPr sz="1200" b="1">
+                  <a:latin typeface="Calibri"/>
+                  <a:ea typeface="Calibri"/>
+                  <a:cs typeface="Calibri"/>
+                  <a:sym typeface="Calibri"/>
+                </a:endParaRPr>
+              </a:p>
+            </p:txBody>
+          </p:sp>
+          <p:sp>
+            <p:nvSpPr>
+              <p:cNvPr id="10" name="Google Shape;58;p13">
+                <a:extLst>
+                  <a:ext uri="{FF2B5EF4-FFF2-40B4-BE49-F238E27FC236}">
+                    <a16:creationId xmlns:a16="http://schemas.microsoft.com/office/drawing/2014/main" id="{B36FAA24-3D72-471E-AA8F-63801908AFAC}"/>
+                  </a:ext>
+                </a:extLst>
+              </p:cNvPr>
+              <p:cNvSpPr/>
+              <p:nvPr/>
+            </p:nvSpPr>
+            <p:spPr>
+              <a:xfrm>
+                <a:off x="76200" y="2519225"/>
+                <a:ext cx="3649500" cy="6692400"/>
+              </a:xfrm>
+              <a:prstGeom prst="roundRect">
+                <a:avLst>
+                  <a:gd name="adj" fmla="val 16667"/>
+                </a:avLst>
+              </a:prstGeom>
+              <a:solidFill>
+                <a:srgbClr val="FFF2CC"/>
+              </a:solidFill>
+              <a:ln w="9525" cap="flat" cmpd="sng">
+                <a:solidFill>
+                  <a:schemeClr val="dk2"/>
+                </a:solidFill>
+                <a:prstDash val="solid"/>
+                <a:round/>
+                <a:headEnd type="none" w="sm" len="sm"/>
+                <a:tailEnd type="none" w="sm" len="sm"/>
+              </a:ln>
+            </p:spPr>
+            <p:txBody>
+              <a:bodyPr spcFirstLastPara="1" wrap="square" lIns="91425" tIns="91425" rIns="91425" bIns="91425" anchor="ctr" anchorCtr="0">
+                <a:noAutofit/>
+              </a:bodyPr>
+              <a:lstStyle/>
+              <a:p>
+                <a:pPr marL="0" lvl="0" indent="0" algn="ctr" rtl="0">
+                  <a:spcBef>
+                    <a:spcPts val="0"/>
+                  </a:spcBef>
+                  <a:spcAft>
+                    <a:spcPts val="0"/>
+                  </a:spcAft>
+                  <a:buNone/>
+                </a:pPr>
+                <a:r>
+                  <a:rPr lang="en" sz="1200" b="1">
+                    <a:latin typeface="Calibri"/>
+                    <a:ea typeface="Calibri"/>
+                    <a:cs typeface="Calibri"/>
+                    <a:sym typeface="Calibri"/>
+                  </a:rPr>
+                  <a:t>WHAT IS THE SOLUTION</a:t>
+                </a:r>
+                <a:endParaRPr sz="1200" b="1">
+                  <a:latin typeface="Calibri"/>
+                  <a:ea typeface="Calibri"/>
+                  <a:cs typeface="Calibri"/>
+                  <a:sym typeface="Calibri"/>
+                </a:endParaRPr>
+              </a:p>
+            </p:txBody>
+          </p:sp>
+          <p:sp>
+            <p:nvSpPr>
+              <p:cNvPr id="11" name="Google Shape;59;p13">
+                <a:extLst>
+                  <a:ext uri="{FF2B5EF4-FFF2-40B4-BE49-F238E27FC236}">
+                    <a16:creationId xmlns:a16="http://schemas.microsoft.com/office/drawing/2014/main" id="{00E93853-D67B-410B-AEA9-6EFF540CB478}"/>
+                  </a:ext>
+                </a:extLst>
+              </p:cNvPr>
+              <p:cNvSpPr/>
+              <p:nvPr/>
+            </p:nvSpPr>
+            <p:spPr>
+              <a:xfrm>
+                <a:off x="76200" y="9453425"/>
+                <a:ext cx="3649500" cy="1033200"/>
+              </a:xfrm>
+              <a:prstGeom prst="roundRect">
+                <a:avLst>
+                  <a:gd name="adj" fmla="val 16667"/>
+                </a:avLst>
+              </a:prstGeom>
+              <a:solidFill>
+                <a:srgbClr val="DD7E6B"/>
+              </a:solidFill>
+              <a:ln w="9525" cap="flat" cmpd="sng">
+                <a:solidFill>
+                  <a:schemeClr val="dk2"/>
+                </a:solidFill>
+                <a:prstDash val="solid"/>
+                <a:round/>
+                <a:headEnd type="none" w="sm" len="sm"/>
+                <a:tailEnd type="none" w="sm" len="sm"/>
+              </a:ln>
+            </p:spPr>
+            <p:txBody>
+              <a:bodyPr spcFirstLastPara="1" wrap="square" lIns="91425" tIns="91425" rIns="91425" bIns="91425" anchor="ctr" anchorCtr="0">
+                <a:noAutofit/>
+              </a:bodyPr>
+              <a:lstStyle/>
+              <a:p>
+                <a:pPr marL="0" lvl="0" indent="0" algn="ctr" rtl="0">
+                  <a:spcBef>
+                    <a:spcPts val="0"/>
+                  </a:spcBef>
+                  <a:spcAft>
+                    <a:spcPts val="0"/>
+                  </a:spcAft>
+                  <a:buNone/>
+                </a:pPr>
+                <a:r>
+                  <a:rPr lang="en" sz="1200" b="1">
+                    <a:latin typeface="Calibri"/>
+                    <a:ea typeface="Calibri"/>
+                    <a:cs typeface="Calibri"/>
+                    <a:sym typeface="Calibri"/>
+                  </a:rPr>
+                  <a:t>WHAT WORKED WELL</a:t>
+                </a:r>
+                <a:endParaRPr sz="1200" b="1">
+                  <a:latin typeface="Calibri"/>
+                  <a:ea typeface="Calibri"/>
+                  <a:cs typeface="Calibri"/>
+                  <a:sym typeface="Calibri"/>
+                </a:endParaRPr>
+              </a:p>
+            </p:txBody>
+          </p:sp>
+          <p:sp>
+            <p:nvSpPr>
+              <p:cNvPr id="12" name="Google Shape;60;p13">
+                <a:extLst>
+                  <a:ext uri="{FF2B5EF4-FFF2-40B4-BE49-F238E27FC236}">
+                    <a16:creationId xmlns:a16="http://schemas.microsoft.com/office/drawing/2014/main" id="{41B13401-CA20-4B70-ACB0-794EB94697EC}"/>
+                  </a:ext>
+                </a:extLst>
+              </p:cNvPr>
+              <p:cNvSpPr/>
+              <p:nvPr/>
+            </p:nvSpPr>
+            <p:spPr>
+              <a:xfrm>
+                <a:off x="3865200" y="9453425"/>
+                <a:ext cx="3649500" cy="1033200"/>
+              </a:xfrm>
+              <a:prstGeom prst="roundRect">
+                <a:avLst>
+                  <a:gd name="adj" fmla="val 16667"/>
+                </a:avLst>
+              </a:prstGeom>
+              <a:solidFill>
+                <a:srgbClr val="DD7E6B"/>
+              </a:solidFill>
+              <a:ln w="9525" cap="flat" cmpd="sng">
+                <a:solidFill>
+                  <a:schemeClr val="dk2"/>
+                </a:solidFill>
+                <a:prstDash val="solid"/>
+                <a:round/>
+                <a:headEnd type="none" w="sm" len="sm"/>
+                <a:tailEnd type="none" w="sm" len="sm"/>
+              </a:ln>
+            </p:spPr>
+            <p:txBody>
+              <a:bodyPr spcFirstLastPara="1" wrap="square" lIns="91425" tIns="91425" rIns="91425" bIns="91425" anchor="ctr" anchorCtr="0">
+                <a:noAutofit/>
+              </a:bodyPr>
+              <a:lstStyle/>
+              <a:p>
+                <a:pPr marL="0" lvl="0" indent="0" algn="ctr" rtl="0">
+                  <a:spcBef>
+                    <a:spcPts val="0"/>
+                  </a:spcBef>
+                  <a:spcAft>
+                    <a:spcPts val="0"/>
+                  </a:spcAft>
+                  <a:buNone/>
+                </a:pPr>
+                <a:r>
+                  <a:rPr lang="en" sz="1100" b="1" dirty="0">
+                    <a:latin typeface="Calibri"/>
+                    <a:ea typeface="Calibri"/>
+                    <a:cs typeface="Calibri"/>
+                    <a:sym typeface="Calibri"/>
+                  </a:rPr>
+                  <a:t>WHAT IS THE SCOPE FOR IMPROVEMENT(S)</a:t>
+                </a:r>
+                <a:endParaRPr sz="1100" b="1" dirty="0">
+                  <a:latin typeface="Calibri"/>
+                  <a:ea typeface="Calibri"/>
+                  <a:cs typeface="Calibri"/>
+                  <a:sym typeface="Calibri"/>
+                </a:endParaRPr>
+              </a:p>
+            </p:txBody>
+          </p:sp>
+          <p:sp>
+            <p:nvSpPr>
+              <p:cNvPr id="13" name="Google Shape;61;p13">
+                <a:extLst>
+                  <a:ext uri="{FF2B5EF4-FFF2-40B4-BE49-F238E27FC236}">
+                    <a16:creationId xmlns:a16="http://schemas.microsoft.com/office/drawing/2014/main" id="{B09499D2-23DD-47FE-83B0-260EA172805A}"/>
+                  </a:ext>
+                </a:extLst>
+              </p:cNvPr>
+              <p:cNvSpPr/>
+              <p:nvPr/>
+            </p:nvSpPr>
+            <p:spPr>
+              <a:xfrm>
+                <a:off x="3789000" y="2519225"/>
+                <a:ext cx="3649500" cy="1033200"/>
+              </a:xfrm>
+              <a:prstGeom prst="roundRect">
+                <a:avLst>
+                  <a:gd name="adj" fmla="val 16667"/>
+                </a:avLst>
+              </a:prstGeom>
+              <a:solidFill>
+                <a:srgbClr val="C9DAF8"/>
+              </a:solidFill>
+              <a:ln w="9525" cap="flat" cmpd="sng">
+                <a:solidFill>
+                  <a:schemeClr val="dk2"/>
+                </a:solidFill>
+                <a:prstDash val="solid"/>
+                <a:round/>
+                <a:headEnd type="none" w="sm" len="sm"/>
+                <a:tailEnd type="none" w="sm" len="sm"/>
+              </a:ln>
+            </p:spPr>
+            <p:txBody>
+              <a:bodyPr spcFirstLastPara="1" wrap="square" lIns="91425" tIns="91425" rIns="91425" bIns="91425" anchor="ctr" anchorCtr="0">
+                <a:noAutofit/>
+              </a:bodyPr>
+              <a:lstStyle/>
+              <a:p>
+                <a:pPr marL="0" lvl="0" indent="0" algn="ctr" rtl="0">
+                  <a:spcBef>
+                    <a:spcPts val="0"/>
+                  </a:spcBef>
+                  <a:spcAft>
+                    <a:spcPts val="0"/>
+                  </a:spcAft>
+                  <a:buNone/>
+                </a:pPr>
+                <a:r>
+                  <a:rPr lang="en" sz="1200" b="1">
+                    <a:latin typeface="Calibri"/>
+                    <a:ea typeface="Calibri"/>
+                    <a:cs typeface="Calibri"/>
+                    <a:sym typeface="Calibri"/>
+                  </a:rPr>
+                  <a:t>USE-CASES</a:t>
+                </a:r>
+                <a:endParaRPr sz="1200" b="1">
+                  <a:latin typeface="Calibri"/>
+                  <a:ea typeface="Calibri"/>
+                  <a:cs typeface="Calibri"/>
+                  <a:sym typeface="Calibri"/>
+                </a:endParaRPr>
+              </a:p>
+            </p:txBody>
+          </p:sp>
+          <p:sp>
+            <p:nvSpPr>
+              <p:cNvPr id="14" name="Google Shape;62;p13">
+                <a:extLst>
+                  <a:ext uri="{FF2B5EF4-FFF2-40B4-BE49-F238E27FC236}">
+                    <a16:creationId xmlns:a16="http://schemas.microsoft.com/office/drawing/2014/main" id="{BC0E8C7E-E50E-4640-95C5-0615CFF9D118}"/>
+                  </a:ext>
+                </a:extLst>
+              </p:cNvPr>
+              <p:cNvSpPr/>
+              <p:nvPr/>
+            </p:nvSpPr>
+            <p:spPr>
+              <a:xfrm>
+                <a:off x="3789000" y="3662225"/>
+                <a:ext cx="3649500" cy="1033200"/>
+              </a:xfrm>
+              <a:prstGeom prst="roundRect">
+                <a:avLst>
+                  <a:gd name="adj" fmla="val 16667"/>
+                </a:avLst>
+              </a:prstGeom>
+              <a:solidFill>
+                <a:srgbClr val="C9DAF8"/>
+              </a:solidFill>
+              <a:ln w="9525" cap="flat" cmpd="sng">
+                <a:solidFill>
+                  <a:schemeClr val="dk2"/>
+                </a:solidFill>
+                <a:prstDash val="solid"/>
+                <a:round/>
+                <a:headEnd type="none" w="sm" len="sm"/>
+                <a:tailEnd type="none" w="sm" len="sm"/>
+              </a:ln>
+            </p:spPr>
+            <p:txBody>
+              <a:bodyPr spcFirstLastPara="1" wrap="square" lIns="91425" tIns="91425" rIns="91425" bIns="91425" anchor="ctr" anchorCtr="0">
+                <a:noAutofit/>
+              </a:bodyPr>
+              <a:lstStyle/>
+              <a:p>
+                <a:pPr marL="0" lvl="0" indent="0" algn="ctr" rtl="0">
+                  <a:spcBef>
+                    <a:spcPts val="0"/>
+                  </a:spcBef>
+                  <a:spcAft>
+                    <a:spcPts val="0"/>
+                  </a:spcAft>
+                  <a:buNone/>
+                </a:pPr>
+                <a:r>
+                  <a:rPr lang="en" sz="1200" b="1">
+                    <a:latin typeface="Calibri"/>
+                    <a:ea typeface="Calibri"/>
+                    <a:cs typeface="Calibri"/>
+                    <a:sym typeface="Calibri"/>
+                  </a:rPr>
+                  <a:t>CLASS HIERARCHY</a:t>
+                </a:r>
+                <a:endParaRPr sz="1200" b="1">
+                  <a:latin typeface="Calibri"/>
+                  <a:ea typeface="Calibri"/>
+                  <a:cs typeface="Calibri"/>
+                  <a:sym typeface="Calibri"/>
+                </a:endParaRPr>
+              </a:p>
+            </p:txBody>
+          </p:sp>
+          <p:sp>
+            <p:nvSpPr>
+              <p:cNvPr id="15" name="Google Shape;63;p13">
+                <a:extLst>
+                  <a:ext uri="{FF2B5EF4-FFF2-40B4-BE49-F238E27FC236}">
+                    <a16:creationId xmlns:a16="http://schemas.microsoft.com/office/drawing/2014/main" id="{2672C3A5-E018-46E0-8D4D-9FC0960B26D3}"/>
+                  </a:ext>
+                </a:extLst>
+              </p:cNvPr>
+              <p:cNvSpPr/>
+              <p:nvPr/>
+            </p:nvSpPr>
+            <p:spPr>
+              <a:xfrm>
+                <a:off x="3789000" y="4805225"/>
+                <a:ext cx="3649500" cy="1033200"/>
+              </a:xfrm>
+              <a:prstGeom prst="roundRect">
+                <a:avLst>
+                  <a:gd name="adj" fmla="val 16667"/>
+                </a:avLst>
+              </a:prstGeom>
+              <a:solidFill>
+                <a:srgbClr val="C9DAF8"/>
+              </a:solidFill>
+              <a:ln w="9525" cap="flat" cmpd="sng">
+                <a:solidFill>
+                  <a:schemeClr val="dk2"/>
+                </a:solidFill>
+                <a:prstDash val="solid"/>
+                <a:round/>
+                <a:headEnd type="none" w="sm" len="sm"/>
+                <a:tailEnd type="none" w="sm" len="sm"/>
+              </a:ln>
+            </p:spPr>
+            <p:txBody>
+              <a:bodyPr spcFirstLastPara="1" wrap="square" lIns="91425" tIns="91425" rIns="91425" bIns="91425" anchor="ctr" anchorCtr="0">
+                <a:noAutofit/>
+              </a:bodyPr>
+              <a:lstStyle/>
+              <a:p>
+                <a:pPr marL="0" lvl="0" indent="0" algn="ctr" rtl="0">
+                  <a:spcBef>
+                    <a:spcPts val="0"/>
+                  </a:spcBef>
+                  <a:spcAft>
+                    <a:spcPts val="0"/>
+                  </a:spcAft>
+                  <a:buNone/>
+                </a:pPr>
+                <a:r>
+                  <a:rPr lang="en" sz="1200" b="1">
+                    <a:latin typeface="Calibri"/>
+                    <a:ea typeface="Calibri"/>
+                    <a:cs typeface="Calibri"/>
+                    <a:sym typeface="Calibri"/>
+                  </a:rPr>
+                  <a:t>STATE MACHINE</a:t>
+                </a:r>
+                <a:endParaRPr sz="1200" b="1">
+                  <a:latin typeface="Calibri"/>
+                  <a:ea typeface="Calibri"/>
+                  <a:cs typeface="Calibri"/>
+                  <a:sym typeface="Calibri"/>
+                </a:endParaRPr>
+              </a:p>
+            </p:txBody>
+          </p:sp>
+          <p:sp>
+            <p:nvSpPr>
+              <p:cNvPr id="16" name="Google Shape;64;p13">
+                <a:extLst>
+                  <a:ext uri="{FF2B5EF4-FFF2-40B4-BE49-F238E27FC236}">
+                    <a16:creationId xmlns:a16="http://schemas.microsoft.com/office/drawing/2014/main" id="{416DD816-F4D9-4FB0-AFEE-3846512FBF4C}"/>
+                  </a:ext>
+                </a:extLst>
+              </p:cNvPr>
+              <p:cNvSpPr/>
+              <p:nvPr/>
+            </p:nvSpPr>
+            <p:spPr>
+              <a:xfrm>
+                <a:off x="3789000" y="5948225"/>
+                <a:ext cx="3649500" cy="1033200"/>
+              </a:xfrm>
+              <a:prstGeom prst="roundRect">
+                <a:avLst>
+                  <a:gd name="adj" fmla="val 16667"/>
+                </a:avLst>
+              </a:prstGeom>
+              <a:solidFill>
+                <a:srgbClr val="C9DAF8"/>
+              </a:solidFill>
+              <a:ln w="9525" cap="flat" cmpd="sng">
+                <a:solidFill>
+                  <a:schemeClr val="dk2"/>
+                </a:solidFill>
+                <a:prstDash val="solid"/>
+                <a:round/>
+                <a:headEnd type="none" w="sm" len="sm"/>
+                <a:tailEnd type="none" w="sm" len="sm"/>
+              </a:ln>
+            </p:spPr>
+            <p:txBody>
+              <a:bodyPr spcFirstLastPara="1" wrap="square" lIns="91425" tIns="91425" rIns="91425" bIns="91425" anchor="ctr" anchorCtr="0">
+                <a:noAutofit/>
+              </a:bodyPr>
+              <a:lstStyle/>
+              <a:p>
+                <a:pPr marL="0" lvl="0" indent="0" algn="ctr" rtl="0">
+                  <a:spcBef>
+                    <a:spcPts val="0"/>
+                  </a:spcBef>
+                  <a:spcAft>
+                    <a:spcPts val="0"/>
+                  </a:spcAft>
+                  <a:buNone/>
+                </a:pPr>
+                <a:r>
+                  <a:rPr lang="en" sz="1200" b="1">
+                    <a:latin typeface="Calibri"/>
+                    <a:ea typeface="Calibri"/>
+                    <a:cs typeface="Calibri"/>
+                    <a:sym typeface="Calibri"/>
+                  </a:rPr>
+                  <a:t>FLOW CHART</a:t>
+                </a:r>
+                <a:endParaRPr sz="1200" b="1">
+                  <a:latin typeface="Calibri"/>
+                  <a:ea typeface="Calibri"/>
+                  <a:cs typeface="Calibri"/>
+                  <a:sym typeface="Calibri"/>
+                </a:endParaRPr>
+              </a:p>
+            </p:txBody>
+          </p:sp>
+          <p:sp>
+            <p:nvSpPr>
+              <p:cNvPr id="17" name="Google Shape;65;p13">
+                <a:extLst>
+                  <a:ext uri="{FF2B5EF4-FFF2-40B4-BE49-F238E27FC236}">
+                    <a16:creationId xmlns:a16="http://schemas.microsoft.com/office/drawing/2014/main" id="{5D7B0971-2003-41FC-984C-26311A1CB5B0}"/>
+                  </a:ext>
+                </a:extLst>
+              </p:cNvPr>
+              <p:cNvSpPr/>
+              <p:nvPr/>
+            </p:nvSpPr>
+            <p:spPr>
+              <a:xfrm>
+                <a:off x="3789000" y="7091225"/>
+                <a:ext cx="3649500" cy="1033200"/>
+              </a:xfrm>
+              <a:prstGeom prst="roundRect">
+                <a:avLst>
+                  <a:gd name="adj" fmla="val 16667"/>
+                </a:avLst>
+              </a:prstGeom>
+              <a:solidFill>
+                <a:srgbClr val="C9DAF8"/>
+              </a:solidFill>
+              <a:ln w="9525" cap="flat" cmpd="sng">
+                <a:solidFill>
+                  <a:schemeClr val="dk2"/>
+                </a:solidFill>
+                <a:prstDash val="solid"/>
+                <a:round/>
+                <a:headEnd type="none" w="sm" len="sm"/>
+                <a:tailEnd type="none" w="sm" len="sm"/>
+              </a:ln>
+            </p:spPr>
+            <p:txBody>
+              <a:bodyPr spcFirstLastPara="1" wrap="square" lIns="91425" tIns="91425" rIns="91425" bIns="91425" anchor="ctr" anchorCtr="0">
+                <a:noAutofit/>
+              </a:bodyPr>
+              <a:lstStyle/>
+              <a:p>
+                <a:pPr marL="0" lvl="0" indent="0" algn="ctr" rtl="0">
+                  <a:spcBef>
+                    <a:spcPts val="0"/>
+                  </a:spcBef>
+                  <a:spcAft>
+                    <a:spcPts val="0"/>
+                  </a:spcAft>
+                  <a:buNone/>
+                </a:pPr>
+                <a:r>
+                  <a:rPr lang="en" sz="1200" b="1">
+                    <a:latin typeface="Calibri"/>
+                    <a:ea typeface="Calibri"/>
+                    <a:cs typeface="Calibri"/>
+                    <a:sym typeface="Calibri"/>
+                  </a:rPr>
+                  <a:t>PSEUDO CODE</a:t>
+                </a:r>
+                <a:endParaRPr sz="1200" b="1">
+                  <a:latin typeface="Calibri"/>
+                  <a:ea typeface="Calibri"/>
+                  <a:cs typeface="Calibri"/>
+                  <a:sym typeface="Calibri"/>
+                </a:endParaRPr>
+              </a:p>
+            </p:txBody>
+          </p:sp>
+          <p:sp>
+            <p:nvSpPr>
+              <p:cNvPr id="18" name="Google Shape;66;p13">
+                <a:extLst>
+                  <a:ext uri="{FF2B5EF4-FFF2-40B4-BE49-F238E27FC236}">
+                    <a16:creationId xmlns:a16="http://schemas.microsoft.com/office/drawing/2014/main" id="{8CC61A42-585B-412A-B9E1-80FD4FF2F4A9}"/>
+                  </a:ext>
+                </a:extLst>
+              </p:cNvPr>
+              <p:cNvSpPr/>
+              <p:nvPr/>
+            </p:nvSpPr>
+            <p:spPr>
+              <a:xfrm>
+                <a:off x="3789000" y="8234225"/>
+                <a:ext cx="3649500" cy="1033200"/>
+              </a:xfrm>
+              <a:prstGeom prst="roundRect">
+                <a:avLst>
+                  <a:gd name="adj" fmla="val 16667"/>
+                </a:avLst>
+              </a:prstGeom>
+              <a:solidFill>
+                <a:srgbClr val="C9DAF8"/>
+              </a:solidFill>
+              <a:ln w="9525" cap="flat" cmpd="sng">
+                <a:solidFill>
+                  <a:schemeClr val="dk2"/>
+                </a:solidFill>
+                <a:prstDash val="solid"/>
+                <a:round/>
+                <a:headEnd type="none" w="sm" len="sm"/>
+                <a:tailEnd type="none" w="sm" len="sm"/>
+              </a:ln>
+            </p:spPr>
+            <p:txBody>
+              <a:bodyPr spcFirstLastPara="1" wrap="square" lIns="91425" tIns="91425" rIns="91425" bIns="91425" anchor="ctr" anchorCtr="0">
+                <a:noAutofit/>
+              </a:bodyPr>
+              <a:lstStyle/>
+              <a:p>
+                <a:pPr marL="0" lvl="0" indent="0" algn="ctr" rtl="0">
+                  <a:spcBef>
+                    <a:spcPts val="0"/>
+                  </a:spcBef>
+                  <a:spcAft>
+                    <a:spcPts val="0"/>
+                  </a:spcAft>
+                  <a:buNone/>
+                </a:pPr>
+                <a:r>
+                  <a:rPr lang="en" sz="1200" b="1">
+                    <a:latin typeface="Calibri"/>
+                    <a:ea typeface="Calibri"/>
+                    <a:cs typeface="Calibri"/>
+                    <a:sym typeface="Calibri"/>
+                  </a:rPr>
+                  <a:t>SCREEN CAPS</a:t>
+                </a:r>
+                <a:endParaRPr sz="1200" b="1">
+                  <a:latin typeface="Calibri"/>
+                  <a:ea typeface="Calibri"/>
+                  <a:cs typeface="Calibri"/>
+                  <a:sym typeface="Calibri"/>
+                </a:endParaRPr>
+              </a:p>
+            </p:txBody>
+          </p:sp>
+          <p:sp>
+            <p:nvSpPr>
+              <p:cNvPr id="19" name="Google Shape;67;p13">
+                <a:extLst>
+                  <a:ext uri="{FF2B5EF4-FFF2-40B4-BE49-F238E27FC236}">
+                    <a16:creationId xmlns:a16="http://schemas.microsoft.com/office/drawing/2014/main" id="{A54C5E87-8E2B-47A2-BEAA-0505B8F940BE}"/>
+                  </a:ext>
+                </a:extLst>
+              </p:cNvPr>
+              <p:cNvSpPr/>
+              <p:nvPr/>
+            </p:nvSpPr>
+            <p:spPr>
+              <a:xfrm>
+                <a:off x="5729825" y="157025"/>
+                <a:ext cx="1708800" cy="1033200"/>
+              </a:xfrm>
+              <a:prstGeom prst="roundRect">
+                <a:avLst>
+                  <a:gd name="adj" fmla="val 16667"/>
+                </a:avLst>
+              </a:prstGeom>
+              <a:solidFill>
+                <a:srgbClr val="D5A6BD"/>
+              </a:solidFill>
+              <a:ln w="9525" cap="flat" cmpd="sng">
+                <a:solidFill>
+                  <a:schemeClr val="dk2"/>
+                </a:solidFill>
+                <a:prstDash val="solid"/>
+                <a:round/>
+                <a:headEnd type="none" w="sm" len="sm"/>
+                <a:tailEnd type="none" w="sm" len="sm"/>
+              </a:ln>
+            </p:spPr>
+            <p:txBody>
+              <a:bodyPr spcFirstLastPara="1" wrap="square" lIns="91425" tIns="91425" rIns="91425" bIns="91425" anchor="ctr" anchorCtr="0">
+                <a:noAutofit/>
+              </a:bodyPr>
+              <a:lstStyle/>
+              <a:p>
+                <a:pPr marL="0" lvl="0" indent="0" algn="ctr" rtl="0">
+                  <a:spcBef>
+                    <a:spcPts val="0"/>
+                  </a:spcBef>
+                  <a:spcAft>
+                    <a:spcPts val="0"/>
+                  </a:spcAft>
+                  <a:buNone/>
+                </a:pPr>
+                <a:r>
+                  <a:rPr lang="en" sz="1200" b="1">
+                    <a:latin typeface="Calibri"/>
+                    <a:ea typeface="Calibri"/>
+                    <a:cs typeface="Calibri"/>
+                    <a:sym typeface="Calibri"/>
+                  </a:rPr>
+                  <a:t>NAME</a:t>
+                </a:r>
+                <a:endParaRPr sz="1200" b="1">
+                  <a:latin typeface="Calibri"/>
+                  <a:ea typeface="Calibri"/>
+                  <a:cs typeface="Calibri"/>
+                  <a:sym typeface="Calibri"/>
+                </a:endParaRPr>
+              </a:p>
+            </p:txBody>
+          </p:sp>
+        </p:grpSp>
+      </p:grpSp>
     </p:spTree>
     <p:extLst>
       <p:ext uri="{BB962C8B-B14F-4D97-AF65-F5344CB8AC3E}">
-        <p14:creationId xmlns:p14="http://schemas.microsoft.com/office/powerpoint/2010/main" val="4214232663"/>
+        <p14:creationId xmlns:p14="http://schemas.microsoft.com/office/powerpoint/2010/main" val="1304802311"/>
       </p:ext>
     </p:extLst>
   </p:cSld>
   <p:clrMapOvr>
     <a:masterClrMapping/>
   </p:clrMapOvr>
-  <p:timing>
-    <p:tnLst>
-      <p:par>
-        <p:cTn id="1" dur="indefinite" restart="never" nodeType="tmRoot">
-          <p:childTnLst>
-            <p:seq concurrent="1" nextAc="seek">
-              <p:cTn id="2" dur="indefinite" nodeType="mainSeq">
-                <p:childTnLst>
-                  <p:par>
-                    <p:cTn id="3" fill="hold">
-                      <p:stCondLst>
-                        <p:cond delay="indefinite"/>
-                      </p:stCondLst>
-                      <p:childTnLst>
-                        <p:par>
-                          <p:cTn id="4" fill="hold">
-                            <p:stCondLst>
-                              <p:cond delay="0"/>
-                            </p:stCondLst>
-                            <p:childTnLst>
-                              <p:par>
-                                <p:cTn id="5" presetID="1" presetClass="entr" presetSubtype="0" fill="hold" grpId="0" nodeType="clickEffect">
-                                  <p:stCondLst>
-                                    <p:cond delay="0"/>
-                                  </p:stCondLst>
-                                  <p:childTnLst>
-                                    <p:set>
-                                      <p:cBhvr>
-                                        <p:cTn id="6" dur="1" fill="hold">
-                                          <p:stCondLst>
-                                            <p:cond delay="0"/>
-                                          </p:stCondLst>
-                                        </p:cTn>
-                                        <p:tgtEl>
-                                          <p:spTgt spid="3">
-                                            <p:txEl>
-                                              <p:pRg st="1" end="1"/>
-                                            </p:txEl>
-                                          </p:spTgt>
-                                        </p:tgtEl>
-                                        <p:attrNameLst>
-                                          <p:attrName>style.visibility</p:attrName>
-                                        </p:attrNameLst>
-                                      </p:cBhvr>
-                                      <p:to>
-                                        <p:strVal val="visible"/>
-                                      </p:to>
-                                    </p:set>
-                                  </p:childTnLst>
-                                </p:cTn>
-                              </p:par>
-                              <p:par>
-                                <p:cTn id="7" presetID="1" presetClass="entr" presetSubtype="0" fill="hold" grpId="0" nodeType="withEffect">
-                                  <p:stCondLst>
-                                    <p:cond delay="0"/>
-                                  </p:stCondLst>
-                                  <p:childTnLst>
-                                    <p:set>
-                                      <p:cBhvr>
-                                        <p:cTn id="8" dur="1" fill="hold">
-                                          <p:stCondLst>
-                                            <p:cond delay="0"/>
-                                          </p:stCondLst>
-                                        </p:cTn>
-                                        <p:tgtEl>
-                                          <p:spTgt spid="3">
-                                            <p:txEl>
-                                              <p:pRg st="2" end="2"/>
-                                            </p:txEl>
-                                          </p:spTgt>
-                                        </p:tgtEl>
-                                        <p:attrNameLst>
-                                          <p:attrName>style.visibility</p:attrName>
-                                        </p:attrNameLst>
-                                      </p:cBhvr>
-                                      <p:to>
-                                        <p:strVal val="visible"/>
-                                      </p:to>
-                                    </p:set>
-                                  </p:childTnLst>
-                                </p:cTn>
-                              </p:par>
-                              <p:par>
-                                <p:cTn id="9" presetID="1" presetClass="entr" presetSubtype="0" fill="hold" grpId="0" nodeType="withEffect">
-                                  <p:stCondLst>
-                                    <p:cond delay="0"/>
-                                  </p:stCondLst>
-                                  <p:childTnLst>
-                                    <p:set>
-                                      <p:cBhvr>
-                                        <p:cTn id="10" dur="1" fill="hold">
-                                          <p:stCondLst>
-                                            <p:cond delay="0"/>
-                                          </p:stCondLst>
-                                        </p:cTn>
-                                        <p:tgtEl>
-                                          <p:spTgt spid="3">
-                                            <p:txEl>
-                                              <p:pRg st="3" end="3"/>
-                                            </p:txEl>
-                                          </p:spTgt>
-                                        </p:tgtEl>
-                                        <p:attrNameLst>
-                                          <p:attrName>style.visibility</p:attrName>
-                                        </p:attrNameLst>
-                                      </p:cBhvr>
-                                      <p:to>
-                                        <p:strVal val="visible"/>
-                                      </p:to>
-                                    </p:set>
-                                  </p:childTnLst>
-                                </p:cTn>
-                              </p:par>
-                              <p:par>
-                                <p:cTn id="11" presetID="1" presetClass="entr" presetSubtype="0" fill="hold" grpId="0" nodeType="withEffect">
-                                  <p:stCondLst>
-                                    <p:cond delay="0"/>
-                                  </p:stCondLst>
-                                  <p:childTnLst>
-                                    <p:set>
-                                      <p:cBhvr>
-                                        <p:cTn id="12" dur="1" fill="hold">
-                                          <p:stCondLst>
-                                            <p:cond delay="0"/>
-                                          </p:stCondLst>
-                                        </p:cTn>
-                                        <p:tgtEl>
-                                          <p:spTgt spid="3">
-                                            <p:txEl>
-                                              <p:pRg st="5" end="5"/>
-                                            </p:txEl>
-                                          </p:spTgt>
-                                        </p:tgtEl>
-                                        <p:attrNameLst>
-                                          <p:attrName>style.visibility</p:attrName>
-                                        </p:attrNameLst>
-                                      </p:cBhvr>
-                                      <p:to>
-                                        <p:strVal val="visible"/>
-                                      </p:to>
-                                    </p:set>
-                                  </p:childTnLst>
-                                </p:cTn>
-                              </p:par>
-                              <p:par>
-                                <p:cTn id="13" presetID="1" presetClass="entr" presetSubtype="0" fill="hold" grpId="0" nodeType="withEffect">
-                                  <p:stCondLst>
-                                    <p:cond delay="0"/>
-                                  </p:stCondLst>
-                                  <p:childTnLst>
-                                    <p:set>
-                                      <p:cBhvr>
-                                        <p:cTn id="14" dur="1" fill="hold">
-                                          <p:stCondLst>
-                                            <p:cond delay="0"/>
-                                          </p:stCondLst>
-                                        </p:cTn>
-                                        <p:tgtEl>
-                                          <p:spTgt spid="3">
-                                            <p:txEl>
-                                              <p:pRg st="6" end="6"/>
-                                            </p:txEl>
-                                          </p:spTgt>
-                                        </p:tgtEl>
-                                        <p:attrNameLst>
-                                          <p:attrName>style.visibility</p:attrName>
-                                        </p:attrNameLst>
-                                      </p:cBhvr>
-                                      <p:to>
-                                        <p:strVal val="visible"/>
-                                      </p:to>
-                                    </p:set>
-                                  </p:childTnLst>
-                                </p:cTn>
-                              </p:par>
-                            </p:childTnLst>
-                          </p:cTn>
-                        </p:par>
-                      </p:childTnLst>
-                    </p:cTn>
-                  </p:par>
-                </p:childTnLst>
-              </p:cTn>
-              <p:prevCondLst>
-                <p:cond evt="onPrev" delay="0">
-                  <p:tgtEl>
-                    <p:sldTgt/>
-                  </p:tgtEl>
-                </p:cond>
-              </p:prevCondLst>
-              <p:nextCondLst>
-                <p:cond evt="onNext" delay="0">
-                  <p:tgtEl>
-                    <p:sldTgt/>
-                  </p:tgtEl>
-                </p:cond>
-              </p:nextCondLst>
-            </p:seq>
-          </p:childTnLst>
-        </p:cTn>
-      </p:par>
-    </p:tnLst>
-    <p:bldLst>
-      <p:bldP spid="3" grpId="0" uiExpand="1" build="p"/>
-    </p:bldLst>
-  </p:timing>
+  <mc:AlternateContent xmlns:mc="http://schemas.openxmlformats.org/markup-compatibility/2006" xmlns:p14="http://schemas.microsoft.com/office/powerpoint/2010/main">
+    <mc:Choice Requires="p14">
+      <p:transition p14:dur="10"/>
+    </mc:Choice>
+    <mc:Fallback xmlns="">
+      <p:transition/>
+    </mc:Fallback>
+  </mc:AlternateContent>
+</p:sld>
+</file>
+
+<file path=ppt/slides/slide6.xml><?xml version="1.0" encoding="utf-8"?>
+<p:sld xmlns:a="http://schemas.openxmlformats.org/drawingml/2006/main" xmlns:r="http://schemas.openxmlformats.org/officeDocument/2006/relationships" xmlns:p="http://schemas.openxmlformats.org/presentationml/2006/main">
+  <p:cSld>
+    <p:spTree>
+      <p:nvGrpSpPr>
+        <p:cNvPr id="1" name=""/>
+        <p:cNvGrpSpPr/>
+        <p:nvPr/>
+      </p:nvGrpSpPr>
+      <p:grpSpPr>
+        <a:xfrm>
+          <a:off x="0" y="0"/>
+          <a:ext cx="0" cy="0"/>
+          <a:chOff x="0" y="0"/>
+          <a:chExt cx="0" cy="0"/>
+        </a:xfrm>
+      </p:grpSpPr>
+      <p:sp>
+        <p:nvSpPr>
+          <p:cNvPr id="2" name="Title 1">
+            <a:extLst>
+              <a:ext uri="{FF2B5EF4-FFF2-40B4-BE49-F238E27FC236}">
+                <a16:creationId xmlns:a16="http://schemas.microsoft.com/office/drawing/2014/main" id="{740883A8-9D4E-47E0-9A31-F6E00FE4A29F}"/>
+              </a:ext>
+            </a:extLst>
+          </p:cNvPr>
+          <p:cNvSpPr>
+            <a:spLocks noGrp="1"/>
+          </p:cNvSpPr>
+          <p:nvPr>
+            <p:ph type="title"/>
+          </p:nvPr>
+        </p:nvSpPr>
+        <p:spPr/>
+        <p:txBody>
+          <a:bodyPr/>
+          <a:lstStyle/>
+          <a:p>
+            <a:r>
+              <a:rPr lang="en-GB" dirty="0"/>
+              <a:t>Poster marks allocation</a:t>
+            </a:r>
+          </a:p>
+        </p:txBody>
+      </p:sp>
+      <p:sp>
+        <p:nvSpPr>
+          <p:cNvPr id="3" name="Content Placeholder 2">
+            <a:extLst>
+              <a:ext uri="{FF2B5EF4-FFF2-40B4-BE49-F238E27FC236}">
+                <a16:creationId xmlns:a16="http://schemas.microsoft.com/office/drawing/2014/main" id="{0470FC95-F41E-4256-A4D1-BB3023495100}"/>
+              </a:ext>
+            </a:extLst>
+          </p:cNvPr>
+          <p:cNvSpPr>
+            <a:spLocks noGrp="1"/>
+          </p:cNvSpPr>
+          <p:nvPr>
+            <p:ph sz="half" idx="1"/>
+          </p:nvPr>
+        </p:nvSpPr>
+        <p:spPr>
+          <a:xfrm>
+            <a:off x="1066800" y="2103120"/>
+            <a:ext cx="5029200" cy="4208228"/>
+          </a:xfrm>
+        </p:spPr>
+        <p:txBody>
+          <a:bodyPr>
+            <a:normAutofit/>
+          </a:bodyPr>
+          <a:lstStyle/>
+          <a:p>
+            <a:pPr marL="0" indent="0">
+              <a:buNone/>
+            </a:pPr>
+            <a:r>
+              <a:rPr lang="en-GB" b="1" dirty="0"/>
+              <a:t>COMP2x0</a:t>
+            </a:r>
+          </a:p>
+          <a:p>
+            <a:r>
+              <a:rPr lang="en-GB" dirty="0"/>
+              <a:t>Threshold: 30%</a:t>
+            </a:r>
+          </a:p>
+          <a:p>
+            <a:r>
+              <a:rPr lang="en-GB" dirty="0"/>
+              <a:t>Description of architecture: 10%</a:t>
+            </a:r>
+          </a:p>
+          <a:p>
+            <a:r>
+              <a:rPr lang="en-GB" dirty="0"/>
+              <a:t>UML diagram: 10%</a:t>
+            </a:r>
+          </a:p>
+          <a:p>
+            <a:r>
+              <a:rPr lang="en-GB" dirty="0"/>
+              <a:t>Appropriateness of artefact design: 15%</a:t>
+            </a:r>
+          </a:p>
+          <a:p>
+            <a:r>
+              <a:rPr lang="en-GB" dirty="0"/>
+              <a:t>Context for practice-based research: 10%</a:t>
+            </a:r>
+          </a:p>
+          <a:p>
+            <a:r>
+              <a:rPr lang="en-GB" dirty="0"/>
+              <a:t>Defence of argument: 10%</a:t>
+            </a:r>
+          </a:p>
+          <a:p>
+            <a:r>
+              <a:rPr lang="en-GB" dirty="0"/>
+              <a:t>Appropriateness of practice-based research methods: 10%</a:t>
+            </a:r>
+          </a:p>
+          <a:p>
+            <a:r>
+              <a:rPr lang="en-GB" dirty="0"/>
+              <a:t>Academic conventions: 5%</a:t>
+            </a:r>
+          </a:p>
+          <a:p>
+            <a:pPr lvl="1"/>
+            <a:endParaRPr lang="en-GB" dirty="0"/>
+          </a:p>
+        </p:txBody>
+      </p:sp>
+      <p:sp>
+        <p:nvSpPr>
+          <p:cNvPr id="4" name="Content Placeholder 3">
+            <a:extLst>
+              <a:ext uri="{FF2B5EF4-FFF2-40B4-BE49-F238E27FC236}">
+                <a16:creationId xmlns:a16="http://schemas.microsoft.com/office/drawing/2014/main" id="{0AD77547-8D70-4157-A946-B66EB661B455}"/>
+              </a:ext>
+            </a:extLst>
+          </p:cNvPr>
+          <p:cNvSpPr>
+            <a:spLocks noGrp="1"/>
+          </p:cNvSpPr>
+          <p:nvPr>
+            <p:ph sz="half" idx="2"/>
+          </p:nvPr>
+        </p:nvSpPr>
+        <p:spPr>
+          <a:xfrm>
+            <a:off x="6461760" y="2103120"/>
+            <a:ext cx="4663440" cy="4208228"/>
+          </a:xfrm>
+        </p:spPr>
+        <p:txBody>
+          <a:bodyPr>
+            <a:normAutofit/>
+          </a:bodyPr>
+          <a:lstStyle/>
+          <a:p>
+            <a:pPr marL="0" indent="0">
+              <a:buNone/>
+            </a:pPr>
+            <a:r>
+              <a:rPr lang="en-GB" b="1" dirty="0"/>
+              <a:t>VR220</a:t>
+            </a:r>
+          </a:p>
+          <a:p>
+            <a:r>
+              <a:rPr lang="en-GB" dirty="0"/>
+              <a:t>Threshold: 15%</a:t>
+            </a:r>
+          </a:p>
+          <a:p>
+            <a:r>
+              <a:rPr lang="en-GB" dirty="0"/>
+              <a:t>Explanations and discussions of technical elements of the project: 10%</a:t>
+            </a:r>
+            <a:br>
+              <a:rPr lang="en-GB" dirty="0"/>
+            </a:br>
+            <a:br>
+              <a:rPr lang="en-GB" dirty="0"/>
+            </a:br>
+            <a:endParaRPr lang="en-GB" dirty="0"/>
+          </a:p>
+          <a:p>
+            <a:r>
+              <a:rPr lang="en-GB" dirty="0"/>
+              <a:t>Description of project objectives and their justification: 10%</a:t>
+            </a:r>
+          </a:p>
+          <a:p>
+            <a:r>
+              <a:rPr lang="en-GB" dirty="0"/>
+              <a:t>Reflection on the artefact: 15%</a:t>
+            </a:r>
+          </a:p>
+        </p:txBody>
+      </p:sp>
+    </p:spTree>
+    <p:extLst>
+      <p:ext uri="{BB962C8B-B14F-4D97-AF65-F5344CB8AC3E}">
+        <p14:creationId xmlns:p14="http://schemas.microsoft.com/office/powerpoint/2010/main" val="555098873"/>
+      </p:ext>
+    </p:extLst>
+  </p:cSld>
+  <p:clrMapOvr>
+    <a:masterClrMapping/>
+  </p:clrMapOvr>
 </p:sld>
 </file>
 

--- a/COMP2x0-portfolio-workshop-08.pptx
+++ b/COMP2x0-portfolio-workshop-08.pptx
@@ -7,10 +7,11 @@
   <p:sldIdLst>
     <p:sldId id="257" r:id="rId2"/>
     <p:sldId id="279" r:id="rId3"/>
-    <p:sldId id="281" r:id="rId4"/>
-    <p:sldId id="267" r:id="rId5"/>
-    <p:sldId id="270" r:id="rId6"/>
-    <p:sldId id="266" r:id="rId7"/>
+    <p:sldId id="282" r:id="rId4"/>
+    <p:sldId id="281" r:id="rId5"/>
+    <p:sldId id="267" r:id="rId6"/>
+    <p:sldId id="270" r:id="rId7"/>
+    <p:sldId id="266" r:id="rId8"/>
   </p:sldIdLst>
   <p:sldSz cx="12192000" cy="6858000"/>
   <p:notesSz cx="6858000" cy="9144000"/>
@@ -5158,6 +5159,101 @@
           <p:cNvPr id="2" name="Title 1">
             <a:extLst>
               <a:ext uri="{FF2B5EF4-FFF2-40B4-BE49-F238E27FC236}">
+                <a16:creationId xmlns:a16="http://schemas.microsoft.com/office/drawing/2014/main" id="{5361FFC3-3DE9-4CE4-80BF-1583A66A1925}"/>
+              </a:ext>
+            </a:extLst>
+          </p:cNvPr>
+          <p:cNvSpPr>
+            <a:spLocks noGrp="1"/>
+          </p:cNvSpPr>
+          <p:nvPr>
+            <p:ph type="title"/>
+          </p:nvPr>
+        </p:nvSpPr>
+        <p:spPr/>
+        <p:txBody>
+          <a:bodyPr/>
+          <a:lstStyle/>
+          <a:p>
+            <a:r>
+              <a:rPr lang="en-GB" dirty="0"/>
+              <a:t>Poster Sessions: On-Campus Opt-In</a:t>
+            </a:r>
+          </a:p>
+        </p:txBody>
+      </p:sp>
+      <p:sp>
+        <p:nvSpPr>
+          <p:cNvPr id="3" name="Rectangle 2">
+            <a:extLst>
+              <a:ext uri="{FF2B5EF4-FFF2-40B4-BE49-F238E27FC236}">
+                <a16:creationId xmlns:a16="http://schemas.microsoft.com/office/drawing/2014/main" id="{F4AD5C01-A2A2-4CB7-8270-E3CDDC652D47}"/>
+              </a:ext>
+            </a:extLst>
+          </p:cNvPr>
+          <p:cNvSpPr/>
+          <p:nvPr/>
+        </p:nvSpPr>
+        <p:spPr>
+          <a:xfrm>
+            <a:off x="1487556" y="2014194"/>
+            <a:ext cx="9097617" cy="3477875"/>
+          </a:xfrm>
+          <a:prstGeom prst="rect">
+            <a:avLst/>
+          </a:prstGeom>
+        </p:spPr>
+        <p:txBody>
+          <a:bodyPr wrap="square">
+            <a:spAutoFit/>
+          </a:bodyPr>
+          <a:lstStyle/>
+          <a:p>
+            <a:r>
+              <a:rPr lang="en-GB" sz="4400" dirty="0">
+                <a:hlinkClick r:id="rId2"/>
+              </a:rPr>
+              <a:t>https://forms.office.com/Pages/ResponsePage.aspx?id=s-4LVT1qRkahEfidAXd5Lu3RGRzgzCNJr7AfAhuHTVZURjE2RDE0RENJTFdONlJFUTZWVlNZR1daWi4u</a:t>
+            </a:r>
+            <a:endParaRPr lang="en-GB" sz="4400" dirty="0"/>
+          </a:p>
+        </p:txBody>
+      </p:sp>
+    </p:spTree>
+    <p:extLst>
+      <p:ext uri="{BB962C8B-B14F-4D97-AF65-F5344CB8AC3E}">
+        <p14:creationId xmlns:p14="http://schemas.microsoft.com/office/powerpoint/2010/main" val="4179773181"/>
+      </p:ext>
+    </p:extLst>
+  </p:cSld>
+  <p:clrMapOvr>
+    <a:masterClrMapping/>
+  </p:clrMapOvr>
+</p:sld>
+</file>
+
+<file path=ppt/slides/slide4.xml><?xml version="1.0" encoding="utf-8"?>
+<p:sld xmlns:a="http://schemas.openxmlformats.org/drawingml/2006/main" xmlns:r="http://schemas.openxmlformats.org/officeDocument/2006/relationships" xmlns:p="http://schemas.openxmlformats.org/presentationml/2006/main">
+  <p:cSld>
+    <p:spTree>
+      <p:nvGrpSpPr>
+        <p:cNvPr id="1" name=""/>
+        <p:cNvGrpSpPr/>
+        <p:nvPr/>
+      </p:nvGrpSpPr>
+      <p:grpSpPr>
+        <a:xfrm>
+          <a:off x="0" y="0"/>
+          <a:ext cx="0" cy="0"/>
+          <a:chOff x="0" y="0"/>
+          <a:chExt cx="0" cy="0"/>
+        </a:xfrm>
+      </p:grpSpPr>
+      <p:sp>
+        <p:nvSpPr>
+          <p:cNvPr id="2" name="Title 1">
+            <a:extLst>
+              <a:ext uri="{FF2B5EF4-FFF2-40B4-BE49-F238E27FC236}">
                 <a16:creationId xmlns:a16="http://schemas.microsoft.com/office/drawing/2014/main" id="{97709E43-743E-47F7-A26A-95EF850D52AB}"/>
               </a:ext>
             </a:extLst>
@@ -5585,7 +5681,7 @@
 </p:sld>
 </file>
 
-<file path=ppt/slides/slide4.xml><?xml version="1.0" encoding="utf-8"?>
+<file path=ppt/slides/slide5.xml><?xml version="1.0" encoding="utf-8"?>
 <p:sld xmlns:a="http://schemas.openxmlformats.org/drawingml/2006/main" xmlns:r="http://schemas.openxmlformats.org/officeDocument/2006/relationships" xmlns:p="http://schemas.openxmlformats.org/presentationml/2006/main">
   <p:cSld>
     <p:spTree>
@@ -6013,7 +6109,7 @@
 </p:sld>
 </file>
 
-<file path=ppt/slides/slide5.xml><?xml version="1.0" encoding="utf-8"?>
+<file path=ppt/slides/slide6.xml><?xml version="1.0" encoding="utf-8"?>
 <p:sld xmlns:a="http://schemas.openxmlformats.org/drawingml/2006/main" xmlns:r="http://schemas.openxmlformats.org/officeDocument/2006/relationships" xmlns:p="http://schemas.openxmlformats.org/presentationml/2006/main">
   <p:cSld>
     <p:spTree>
@@ -7172,7 +7268,7 @@
 </p:sld>
 </file>
 
-<file path=ppt/slides/slide6.xml><?xml version="1.0" encoding="utf-8"?>
+<file path=ppt/slides/slide7.xml><?xml version="1.0" encoding="utf-8"?>
 <p:sld xmlns:a="http://schemas.openxmlformats.org/drawingml/2006/main" xmlns:r="http://schemas.openxmlformats.org/officeDocument/2006/relationships" xmlns:p="http://schemas.openxmlformats.org/presentationml/2006/main">
   <p:cSld>
     <p:spTree>
